--- a/GAM150_Club_Serialization.pptx
+++ b/GAM150_Club_Serialization.pptx
@@ -5,7 +5,7 @@
     <p:sldMasterId id="2147484056" r:id="rId1"/>
   </p:sldMasterIdLst>
   <p:notesMasterIdLst>
-    <p:notesMasterId r:id="rId31"/>
+    <p:notesMasterId r:id="rId47"/>
   </p:notesMasterIdLst>
   <p:sldIdLst>
     <p:sldId id="256" r:id="rId2"/>
@@ -20,23 +20,39 @@
     <p:sldId id="329" r:id="rId11"/>
     <p:sldId id="330" r:id="rId12"/>
     <p:sldId id="331" r:id="rId13"/>
-    <p:sldId id="332" r:id="rId14"/>
-    <p:sldId id="333" r:id="rId15"/>
-    <p:sldId id="334" r:id="rId16"/>
-    <p:sldId id="335" r:id="rId17"/>
-    <p:sldId id="336" r:id="rId18"/>
-    <p:sldId id="337" r:id="rId19"/>
-    <p:sldId id="338" r:id="rId20"/>
-    <p:sldId id="339" r:id="rId21"/>
-    <p:sldId id="340" r:id="rId22"/>
-    <p:sldId id="341" r:id="rId23"/>
-    <p:sldId id="342" r:id="rId24"/>
-    <p:sldId id="343" r:id="rId25"/>
-    <p:sldId id="344" r:id="rId26"/>
-    <p:sldId id="345" r:id="rId27"/>
-    <p:sldId id="321" r:id="rId28"/>
-    <p:sldId id="301" r:id="rId29"/>
-    <p:sldId id="295" r:id="rId30"/>
+    <p:sldId id="360" r:id="rId14"/>
+    <p:sldId id="332" r:id="rId15"/>
+    <p:sldId id="333" r:id="rId16"/>
+    <p:sldId id="334" r:id="rId17"/>
+    <p:sldId id="335" r:id="rId18"/>
+    <p:sldId id="336" r:id="rId19"/>
+    <p:sldId id="337" r:id="rId20"/>
+    <p:sldId id="338" r:id="rId21"/>
+    <p:sldId id="339" r:id="rId22"/>
+    <p:sldId id="340" r:id="rId23"/>
+    <p:sldId id="341" r:id="rId24"/>
+    <p:sldId id="342" r:id="rId25"/>
+    <p:sldId id="343" r:id="rId26"/>
+    <p:sldId id="344" r:id="rId27"/>
+    <p:sldId id="345" r:id="rId28"/>
+    <p:sldId id="361" r:id="rId29"/>
+    <p:sldId id="346" r:id="rId30"/>
+    <p:sldId id="347" r:id="rId31"/>
+    <p:sldId id="348" r:id="rId32"/>
+    <p:sldId id="349" r:id="rId33"/>
+    <p:sldId id="350" r:id="rId34"/>
+    <p:sldId id="351" r:id="rId35"/>
+    <p:sldId id="352" r:id="rId36"/>
+    <p:sldId id="353" r:id="rId37"/>
+    <p:sldId id="354" r:id="rId38"/>
+    <p:sldId id="355" r:id="rId39"/>
+    <p:sldId id="356" r:id="rId40"/>
+    <p:sldId id="357" r:id="rId41"/>
+    <p:sldId id="358" r:id="rId42"/>
+    <p:sldId id="359" r:id="rId43"/>
+    <p:sldId id="321" r:id="rId44"/>
+    <p:sldId id="301" r:id="rId45"/>
+    <p:sldId id="295" r:id="rId46"/>
   </p:sldIdLst>
   <p:sldSz cx="9144000" cy="6858000" type="screen4x3"/>
   <p:notesSz cx="6858000" cy="9144000"/>
@@ -220,7 +236,7 @@
           <a:p>
             <a:fld id="{D57AED64-DE9D-488B-BFFD-A02E60E8A02A}" type="datetimeFigureOut">
               <a:rPr lang="en-US" smtClean="0"/>
-              <a:t>3/1/2013</a:t>
+              <a:t>3/4/2013</a:t>
             </a:fld>
             <a:endParaRPr lang="en-US"/>
           </a:p>
@@ -779,7 +795,7 @@
           <a:p>
             <a:fld id="{9A8D7FC9-2293-4C36-877C-765550F883D5}" type="datetimeFigureOut">
               <a:rPr lang="en-US" smtClean="0"/>
-              <a:t>3/1/2013</a:t>
+              <a:t>3/4/2013</a:t>
             </a:fld>
             <a:endParaRPr lang="en-US"/>
           </a:p>
@@ -970,7 +986,7 @@
           <a:p>
             <a:fld id="{9A8D7FC9-2293-4C36-877C-765550F883D5}" type="datetimeFigureOut">
               <a:rPr lang="en-US" smtClean="0"/>
-              <a:t>3/1/2013</a:t>
+              <a:t>3/4/2013</a:t>
             </a:fld>
             <a:endParaRPr lang="en-US"/>
           </a:p>
@@ -1155,7 +1171,7 @@
           <a:p>
             <a:fld id="{9A8D7FC9-2293-4C36-877C-765550F883D5}" type="datetimeFigureOut">
               <a:rPr lang="en-US" smtClean="0"/>
-              <a:t>3/1/2013</a:t>
+              <a:t>3/4/2013</a:t>
             </a:fld>
             <a:endParaRPr lang="en-US"/>
           </a:p>
@@ -1418,7 +1434,7 @@
           <a:p>
             <a:fld id="{9A8D7FC9-2293-4C36-877C-765550F883D5}" type="datetimeFigureOut">
               <a:rPr lang="en-US" smtClean="0"/>
-              <a:t>3/1/2013</a:t>
+              <a:t>3/4/2013</a:t>
             </a:fld>
             <a:endParaRPr lang="en-US"/>
           </a:p>
@@ -1834,7 +1850,7 @@
           <a:p>
             <a:fld id="{9A8D7FC9-2293-4C36-877C-765550F883D5}" type="datetimeFigureOut">
               <a:rPr lang="en-US" smtClean="0"/>
-              <a:t>3/1/2013</a:t>
+              <a:t>3/4/2013</a:t>
             </a:fld>
             <a:endParaRPr lang="en-US"/>
           </a:p>
@@ -2076,7 +2092,7 @@
           <a:p>
             <a:fld id="{9A8D7FC9-2293-4C36-877C-765550F883D5}" type="datetimeFigureOut">
               <a:rPr lang="en-US" smtClean="0"/>
-              <a:t>3/1/2013</a:t>
+              <a:t>3/4/2013</a:t>
             </a:fld>
             <a:endParaRPr lang="en-US"/>
           </a:p>
@@ -2312,7 +2328,7 @@
           <a:p>
             <a:fld id="{9A8D7FC9-2293-4C36-877C-765550F883D5}" type="datetimeFigureOut">
               <a:rPr lang="en-US" smtClean="0"/>
-              <a:t>3/1/2013</a:t>
+              <a:t>3/4/2013</a:t>
             </a:fld>
             <a:endParaRPr lang="en-US"/>
           </a:p>
@@ -2507,7 +2523,7 @@
           <a:p>
             <a:fld id="{9A8D7FC9-2293-4C36-877C-765550F883D5}" type="datetimeFigureOut">
               <a:rPr lang="en-US" smtClean="0"/>
-              <a:t>3/1/2013</a:t>
+              <a:t>3/4/2013</a:t>
             </a:fld>
             <a:endParaRPr lang="en-US"/>
           </a:p>
@@ -2605,7 +2621,7 @@
           <a:p>
             <a:fld id="{9A8D7FC9-2293-4C36-877C-765550F883D5}" type="datetimeFigureOut">
               <a:rPr lang="en-US" smtClean="0"/>
-              <a:t>3/1/2013</a:t>
+              <a:t>3/4/2013</a:t>
             </a:fld>
             <a:endParaRPr lang="en-US"/>
           </a:p>
@@ -2741,7 +2757,7 @@
           <a:p>
             <a:fld id="{9A8D7FC9-2293-4C36-877C-765550F883D5}" type="datetimeFigureOut">
               <a:rPr lang="en-US" smtClean="0"/>
-              <a:t>3/1/2013</a:t>
+              <a:t>3/4/2013</a:t>
             </a:fld>
             <a:endParaRPr lang="en-US"/>
           </a:p>
@@ -3259,7 +3275,7 @@
           <a:p>
             <a:fld id="{9A8D7FC9-2293-4C36-877C-765550F883D5}" type="datetimeFigureOut">
               <a:rPr lang="en-US" smtClean="0"/>
-              <a:t>3/1/2013</a:t>
+              <a:t>3/4/2013</a:t>
             </a:fld>
             <a:endParaRPr lang="en-US"/>
           </a:p>
@@ -3520,7 +3536,7 @@
           <a:p>
             <a:fld id="{9A8D7FC9-2293-4C36-877C-765550F883D5}" type="datetimeFigureOut">
               <a:rPr lang="en-US" smtClean="0"/>
-              <a:t>3/1/2013</a:t>
+              <a:t>3/4/2013</a:t>
             </a:fld>
             <a:endParaRPr lang="en-US"/>
           </a:p>
@@ -4086,10 +4102,6 @@
               <a:rPr lang="en-US" dirty="0" smtClean="0"/>
               <a:t>Serialization</a:t>
             </a:r>
-            <a:r>
-              <a:rPr lang="en-US" dirty="0" smtClean="0"/>
-              <a:t/>
-            </a:r>
             <a:br>
               <a:rPr lang="en-US" dirty="0" smtClean="0"/>
             </a:br>
@@ -4185,7 +4197,7 @@
           <a:p>
             <a:r>
               <a:rPr lang="en-US" dirty="0" smtClean="0"/>
-              <a:t>Serialization</a:t>
+              <a:t>Routines by Primitives</a:t>
             </a:r>
             <a:endParaRPr lang="en-US" dirty="0"/>
           </a:p>
@@ -4388,10 +4400,9 @@
           <a:lstStyle/>
           <a:p>
             <a:r>
-              <a:rPr lang="en-US" dirty="0" smtClean="0"/>
-              <a:t>Serialization</a:t>
-            </a:r>
-            <a:endParaRPr lang="en-US" dirty="0"/>
+              <a:rPr lang="en-US" dirty="0"/>
+              <a:t>Routines by Primitives</a:t>
+            </a:r>
           </a:p>
         </p:txBody>
       </p:sp>
@@ -4779,7 +4790,79 @@
           <a:p>
             <a:r>
               <a:rPr lang="en-US" dirty="0" smtClean="0"/>
-              <a:t>Serialization</a:t>
+              <a:t>Questions?</a:t>
+            </a:r>
+            <a:endParaRPr lang="en-US" dirty="0"/>
+          </a:p>
+        </p:txBody>
+      </p:sp>
+      <p:sp>
+        <p:nvSpPr>
+          <p:cNvPr id="3" name="Content Placeholder 2"/>
+          <p:cNvSpPr>
+            <a:spLocks noGrp="1"/>
+          </p:cNvSpPr>
+          <p:nvPr>
+            <p:ph sz="quarter" idx="1"/>
+          </p:nvPr>
+        </p:nvSpPr>
+        <p:spPr/>
+        <p:txBody>
+          <a:bodyPr/>
+          <a:lstStyle/>
+          <a:p>
+            <a:endParaRPr lang="en-US"/>
+          </a:p>
+        </p:txBody>
+      </p:sp>
+    </p:spTree>
+    <p:extLst>
+      <p:ext uri="{BB962C8B-B14F-4D97-AF65-F5344CB8AC3E}">
+        <p14:creationId xmlns:p14="http://schemas.microsoft.com/office/powerpoint/2010/main" val="691740455"/>
+      </p:ext>
+    </p:extLst>
+  </p:cSld>
+  <p:clrMapOvr>
+    <a:masterClrMapping/>
+  </p:clrMapOvr>
+</p:sld>
+</file>
+
+<file path=ppt/slides/slide14.xml><?xml version="1.0" encoding="utf-8"?>
+<p:sld xmlns:a="http://schemas.openxmlformats.org/drawingml/2006/main" xmlns:r="http://schemas.openxmlformats.org/officeDocument/2006/relationships" xmlns:p="http://schemas.openxmlformats.org/presentationml/2006/main">
+  <p:cSld>
+    <p:spTree>
+      <p:nvGrpSpPr>
+        <p:cNvPr id="1" name=""/>
+        <p:cNvGrpSpPr/>
+        <p:nvPr/>
+      </p:nvGrpSpPr>
+      <p:grpSpPr>
+        <a:xfrm>
+          <a:off x="0" y="0"/>
+          <a:ext cx="0" cy="0"/>
+          <a:chOff x="0" y="0"/>
+          <a:chExt cx="0" cy="0"/>
+        </a:xfrm>
+      </p:grpSpPr>
+      <p:sp>
+        <p:nvSpPr>
+          <p:cNvPr id="2" name="Title 1"/>
+          <p:cNvSpPr>
+            <a:spLocks noGrp="1"/>
+          </p:cNvSpPr>
+          <p:nvPr>
+            <p:ph type="title"/>
+          </p:nvPr>
+        </p:nvSpPr>
+        <p:spPr/>
+        <p:txBody>
+          <a:bodyPr/>
+          <a:lstStyle/>
+          <a:p>
+            <a:r>
+              <a:rPr lang="en-US" dirty="0" smtClean="0"/>
+              <a:t>Serialization - Prettify</a:t>
             </a:r>
             <a:endParaRPr lang="en-US" dirty="0"/>
           </a:p>
@@ -4949,7 +5032,7 @@
 </p:sld>
 </file>
 
-<file path=ppt/slides/slide14.xml><?xml version="1.0" encoding="utf-8"?>
+<file path=ppt/slides/slide15.xml><?xml version="1.0" encoding="utf-8"?>
 <p:sld xmlns:a="http://schemas.openxmlformats.org/drawingml/2006/main" xmlns:r="http://schemas.openxmlformats.org/officeDocument/2006/relationships" xmlns:p="http://schemas.openxmlformats.org/presentationml/2006/main">
   <p:cSld>
     <p:spTree>
@@ -4983,9 +5066,12 @@
           <a:p>
             <a:r>
               <a:rPr lang="en-US" dirty="0" smtClean="0"/>
-              <a:t>Serialization</a:t>
-            </a:r>
-            <a:endParaRPr lang="en-US" dirty="0"/>
+              <a:t>Serialization - </a:t>
+            </a:r>
+            <a:r>
+              <a:rPr lang="en-US" dirty="0"/>
+              <a:t>Prettify</a:t>
+            </a:r>
           </a:p>
         </p:txBody>
       </p:sp>
@@ -5153,7 +5239,7 @@
 </p:sld>
 </file>
 
-<file path=ppt/slides/slide15.xml><?xml version="1.0" encoding="utf-8"?>
+<file path=ppt/slides/slide16.xml><?xml version="1.0" encoding="utf-8"?>
 <p:sld xmlns:a="http://schemas.openxmlformats.org/drawingml/2006/main" xmlns:r="http://schemas.openxmlformats.org/officeDocument/2006/relationships" xmlns:p="http://schemas.openxmlformats.org/presentationml/2006/main">
   <p:cSld>
     <p:spTree>
@@ -5186,10 +5272,9 @@
           <a:lstStyle/>
           <a:p>
             <a:r>
-              <a:rPr lang="en-US" dirty="0" smtClean="0"/>
-              <a:t>Serialization</a:t>
-            </a:r>
-            <a:endParaRPr lang="en-US" dirty="0"/>
+              <a:rPr lang="en-US" dirty="0"/>
+              <a:t>Serialization - Prettify</a:t>
+            </a:r>
           </a:p>
         </p:txBody>
       </p:sp>
@@ -5317,7 +5402,7 @@
 </p:sld>
 </file>
 
-<file path=ppt/slides/slide16.xml><?xml version="1.0" encoding="utf-8"?>
+<file path=ppt/slides/slide17.xml><?xml version="1.0" encoding="utf-8"?>
 <p:sld xmlns:a="http://schemas.openxmlformats.org/drawingml/2006/main" xmlns:r="http://schemas.openxmlformats.org/officeDocument/2006/relationships" xmlns:p="http://schemas.openxmlformats.org/presentationml/2006/main">
   <p:cSld>
     <p:spTree>
@@ -5350,10 +5435,9 @@
           <a:lstStyle/>
           <a:p>
             <a:r>
-              <a:rPr lang="en-US" dirty="0" smtClean="0"/>
-              <a:t>Serialization</a:t>
-            </a:r>
-            <a:endParaRPr lang="en-US" dirty="0"/>
+              <a:rPr lang="en-US" dirty="0"/>
+              <a:t>Serialization - Prettify</a:t>
+            </a:r>
           </a:p>
         </p:txBody>
       </p:sp>
@@ -5464,7 +5548,7 @@
 </p:sld>
 </file>
 
-<file path=ppt/slides/slide17.xml><?xml version="1.0" encoding="utf-8"?>
+<file path=ppt/slides/slide18.xml><?xml version="1.0" encoding="utf-8"?>
 <p:sld xmlns:a="http://schemas.openxmlformats.org/drawingml/2006/main" xmlns:r="http://schemas.openxmlformats.org/officeDocument/2006/relationships" xmlns:p="http://schemas.openxmlformats.org/presentationml/2006/main">
   <p:cSld>
     <p:spTree>
@@ -5497,10 +5581,9 @@
           <a:lstStyle/>
           <a:p>
             <a:r>
-              <a:rPr lang="en-US" dirty="0" smtClean="0"/>
-              <a:t>Serialization</a:t>
-            </a:r>
-            <a:endParaRPr lang="en-US" dirty="0"/>
+              <a:rPr lang="en-US" dirty="0"/>
+              <a:t>Serialization - Prettify</a:t>
+            </a:r>
           </a:p>
         </p:txBody>
       </p:sp>
@@ -5637,7 +5720,7 @@
 </p:sld>
 </file>
 
-<file path=ppt/slides/slide18.xml><?xml version="1.0" encoding="utf-8"?>
+<file path=ppt/slides/slide19.xml><?xml version="1.0" encoding="utf-8"?>
 <p:sld xmlns:a="http://schemas.openxmlformats.org/drawingml/2006/main" xmlns:r="http://schemas.openxmlformats.org/officeDocument/2006/relationships" xmlns:p="http://schemas.openxmlformats.org/presentationml/2006/main">
   <p:cSld>
     <p:spTree>
@@ -5670,10 +5753,9 @@
           <a:lstStyle/>
           <a:p>
             <a:r>
-              <a:rPr lang="en-US" dirty="0" smtClean="0"/>
-              <a:t>Serialization</a:t>
-            </a:r>
-            <a:endParaRPr lang="en-US" dirty="0"/>
+              <a:rPr lang="en-US" dirty="0"/>
+              <a:t>Serialization - Prettify</a:t>
+            </a:r>
           </a:p>
         </p:txBody>
       </p:sp>
@@ -5797,7 +5879,7 @@
 </p:sld>
 </file>
 
-<file path=ppt/slides/slide19.xml><?xml version="1.0" encoding="utf-8"?>
+<file path=ppt/slides/slide2.xml><?xml version="1.0" encoding="utf-8"?>
 <p:sld xmlns:a="http://schemas.openxmlformats.org/drawingml/2006/main" xmlns:r="http://schemas.openxmlformats.org/officeDocument/2006/relationships" xmlns:p="http://schemas.openxmlformats.org/presentationml/2006/main">
   <p:cSld>
     <p:spTree>
@@ -5831,7 +5913,129 @@
           <a:p>
             <a:r>
               <a:rPr lang="en-US" dirty="0" smtClean="0"/>
-              <a:t>Serialization</a:t>
+              <a:t>Who am I?</a:t>
+            </a:r>
+            <a:endParaRPr lang="en-US" dirty="0"/>
+          </a:p>
+        </p:txBody>
+      </p:sp>
+      <p:sp>
+        <p:nvSpPr>
+          <p:cNvPr id="3" name="Content Placeholder 2"/>
+          <p:cNvSpPr>
+            <a:spLocks noGrp="1"/>
+          </p:cNvSpPr>
+          <p:nvPr>
+            <p:ph sz="quarter" idx="1"/>
+          </p:nvPr>
+        </p:nvSpPr>
+        <p:spPr/>
+        <p:txBody>
+          <a:bodyPr>
+            <a:normAutofit/>
+          </a:bodyPr>
+          <a:lstStyle/>
+          <a:p>
+            <a:r>
+              <a:rPr lang="en-US" dirty="0" smtClean="0"/>
+              <a:t>RTIS Sophomore – Randy Gaul</a:t>
+            </a:r>
+          </a:p>
+          <a:p>
+            <a:r>
+              <a:rPr lang="en-US" dirty="0" smtClean="0"/>
+              <a:t>C game as Freshman</a:t>
+            </a:r>
+          </a:p>
+          <a:p>
+            <a:r>
+              <a:rPr lang="en-US" dirty="0" smtClean="0"/>
+              <a:t>Tech director for Ancient Forest and Grumpy Monsters</a:t>
+            </a:r>
+          </a:p>
+          <a:p>
+            <a:r>
+              <a:rPr lang="en-US" dirty="0" smtClean="0"/>
+              <a:t>Made engine in C during summer before Sophomore year</a:t>
+            </a:r>
+          </a:p>
+          <a:p>
+            <a:pPr lvl="1"/>
+            <a:r>
+              <a:rPr lang="en-US" dirty="0" smtClean="0">
+                <a:hlinkClick r:id="rId2"/>
+              </a:rPr>
+              <a:t>AsciiEngine</a:t>
+            </a:r>
+            <a:r>
+              <a:rPr lang="en-US" dirty="0" smtClean="0"/>
+              <a:t> – Implemented some features in this slideshow</a:t>
+            </a:r>
+          </a:p>
+          <a:p>
+            <a:r>
+              <a:rPr lang="en-US" dirty="0" smtClean="0"/>
+              <a:t>Love architecture with clean and powerful APIs</a:t>
+            </a:r>
+            <a:endParaRPr lang="en-US" dirty="0"/>
+          </a:p>
+        </p:txBody>
+      </p:sp>
+    </p:spTree>
+    <p:extLst>
+      <p:ext uri="{BB962C8B-B14F-4D97-AF65-F5344CB8AC3E}">
+        <p14:creationId xmlns:p14="http://schemas.microsoft.com/office/powerpoint/2010/main" val="2695088203"/>
+      </p:ext>
+    </p:extLst>
+  </p:cSld>
+  <p:clrMapOvr>
+    <a:masterClrMapping/>
+  </p:clrMapOvr>
+  <p:timing>
+    <p:tnLst>
+      <p:par>
+        <p:cTn id="1" dur="indefinite" restart="never" nodeType="tmRoot"/>
+      </p:par>
+    </p:tnLst>
+  </p:timing>
+</p:sld>
+</file>
+
+<file path=ppt/slides/slide20.xml><?xml version="1.0" encoding="utf-8"?>
+<p:sld xmlns:a="http://schemas.openxmlformats.org/drawingml/2006/main" xmlns:r="http://schemas.openxmlformats.org/officeDocument/2006/relationships" xmlns:p="http://schemas.openxmlformats.org/presentationml/2006/main">
+  <p:cSld>
+    <p:spTree>
+      <p:nvGrpSpPr>
+        <p:cNvPr id="1" name=""/>
+        <p:cNvGrpSpPr/>
+        <p:nvPr/>
+      </p:nvGrpSpPr>
+      <p:grpSpPr>
+        <a:xfrm>
+          <a:off x="0" y="0"/>
+          <a:ext cx="0" cy="0"/>
+          <a:chOff x="0" y="0"/>
+          <a:chExt cx="0" cy="0"/>
+        </a:xfrm>
+      </p:grpSpPr>
+      <p:sp>
+        <p:nvSpPr>
+          <p:cNvPr id="2" name="Title 1"/>
+          <p:cNvSpPr>
+            <a:spLocks noGrp="1"/>
+          </p:cNvSpPr>
+          <p:nvPr>
+            <p:ph type="title"/>
+          </p:nvPr>
+        </p:nvSpPr>
+        <p:spPr/>
+        <p:txBody>
+          <a:bodyPr/>
+          <a:lstStyle/>
+          <a:p>
+            <a:r>
+              <a:rPr lang="en-US" dirty="0" smtClean="0"/>
+              <a:t>Serialization – Cleanup API</a:t>
             </a:r>
             <a:endParaRPr lang="en-US" dirty="0"/>
           </a:p>
@@ -5943,7 +6147,7 @@
 </p:sld>
 </file>
 
-<file path=ppt/slides/slide2.xml><?xml version="1.0" encoding="utf-8"?>
+<file path=ppt/slides/slide21.xml><?xml version="1.0" encoding="utf-8"?>
 <p:sld xmlns:a="http://schemas.openxmlformats.org/drawingml/2006/main" xmlns:r="http://schemas.openxmlformats.org/officeDocument/2006/relationships" xmlns:p="http://schemas.openxmlformats.org/presentationml/2006/main">
   <p:cSld>
     <p:spTree>
@@ -5976,132 +6180,9 @@
           <a:lstStyle/>
           <a:p>
             <a:r>
-              <a:rPr lang="en-US" dirty="0" smtClean="0"/>
-              <a:t>Who am I?</a:t>
-            </a:r>
-            <a:endParaRPr lang="en-US" dirty="0"/>
-          </a:p>
-        </p:txBody>
-      </p:sp>
-      <p:sp>
-        <p:nvSpPr>
-          <p:cNvPr id="3" name="Content Placeholder 2"/>
-          <p:cNvSpPr>
-            <a:spLocks noGrp="1"/>
-          </p:cNvSpPr>
-          <p:nvPr>
-            <p:ph sz="quarter" idx="1"/>
-          </p:nvPr>
-        </p:nvSpPr>
-        <p:spPr/>
-        <p:txBody>
-          <a:bodyPr>
-            <a:normAutofit/>
-          </a:bodyPr>
-          <a:lstStyle/>
-          <a:p>
-            <a:r>
-              <a:rPr lang="en-US" dirty="0" smtClean="0"/>
-              <a:t>RTIS Sophomore – Randy Gaul</a:t>
-            </a:r>
-          </a:p>
-          <a:p>
-            <a:r>
-              <a:rPr lang="en-US" dirty="0" smtClean="0"/>
-              <a:t>C game as Freshman</a:t>
-            </a:r>
-          </a:p>
-          <a:p>
-            <a:r>
-              <a:rPr lang="en-US" dirty="0" smtClean="0"/>
-              <a:t>Tech director for Ancient Forest and Grumpy Monsters</a:t>
-            </a:r>
-          </a:p>
-          <a:p>
-            <a:r>
-              <a:rPr lang="en-US" dirty="0" smtClean="0"/>
-              <a:t>Made engine in C during summer before Sophomore year</a:t>
-            </a:r>
-          </a:p>
-          <a:p>
-            <a:pPr lvl="1"/>
-            <a:r>
-              <a:rPr lang="en-US" dirty="0" smtClean="0">
-                <a:hlinkClick r:id="rId2"/>
-              </a:rPr>
-              <a:t>AsciiEngine</a:t>
-            </a:r>
-            <a:r>
-              <a:rPr lang="en-US" dirty="0" smtClean="0"/>
-              <a:t> – Implemented some features in this slideshow</a:t>
-            </a:r>
-          </a:p>
-          <a:p>
-            <a:r>
-              <a:rPr lang="en-US" dirty="0" smtClean="0"/>
-              <a:t>Love architecture with clean and powerful APIs</a:t>
-            </a:r>
-            <a:endParaRPr lang="en-US" dirty="0"/>
-          </a:p>
-        </p:txBody>
-      </p:sp>
-    </p:spTree>
-    <p:extLst>
-      <p:ext uri="{BB962C8B-B14F-4D97-AF65-F5344CB8AC3E}">
-        <p14:creationId xmlns:p14="http://schemas.microsoft.com/office/powerpoint/2010/main" val="2695088203"/>
-      </p:ext>
-    </p:extLst>
-  </p:cSld>
-  <p:clrMapOvr>
-    <a:masterClrMapping/>
-  </p:clrMapOvr>
-  <p:timing>
-    <p:tnLst>
-      <p:par>
-        <p:cTn id="1" dur="indefinite" restart="never" nodeType="tmRoot"/>
-      </p:par>
-    </p:tnLst>
-  </p:timing>
-</p:sld>
-</file>
-
-<file path=ppt/slides/slide20.xml><?xml version="1.0" encoding="utf-8"?>
-<p:sld xmlns:a="http://schemas.openxmlformats.org/drawingml/2006/main" xmlns:r="http://schemas.openxmlformats.org/officeDocument/2006/relationships" xmlns:p="http://schemas.openxmlformats.org/presentationml/2006/main">
-  <p:cSld>
-    <p:spTree>
-      <p:nvGrpSpPr>
-        <p:cNvPr id="1" name=""/>
-        <p:cNvGrpSpPr/>
-        <p:nvPr/>
-      </p:nvGrpSpPr>
-      <p:grpSpPr>
-        <a:xfrm>
-          <a:off x="0" y="0"/>
-          <a:ext cx="0" cy="0"/>
-          <a:chOff x="0" y="0"/>
-          <a:chExt cx="0" cy="0"/>
-        </a:xfrm>
-      </p:grpSpPr>
-      <p:sp>
-        <p:nvSpPr>
-          <p:cNvPr id="2" name="Title 1"/>
-          <p:cNvSpPr>
-            <a:spLocks noGrp="1"/>
-          </p:cNvSpPr>
-          <p:nvPr>
-            <p:ph type="title"/>
-          </p:nvPr>
-        </p:nvSpPr>
-        <p:spPr/>
-        <p:txBody>
-          <a:bodyPr/>
-          <a:lstStyle/>
-          <a:p>
-            <a:r>
-              <a:rPr lang="en-US" dirty="0" smtClean="0"/>
-              <a:t>Serialization</a:t>
-            </a:r>
-            <a:endParaRPr lang="en-US" dirty="0"/>
+              <a:rPr lang="en-US" dirty="0"/>
+              <a:t>Serialization – Cleanup API</a:t>
+            </a:r>
           </a:p>
         </p:txBody>
       </p:sp>
@@ -6232,7 +6313,7 @@
 </p:sld>
 </file>
 
-<file path=ppt/slides/slide21.xml><?xml version="1.0" encoding="utf-8"?>
+<file path=ppt/slides/slide22.xml><?xml version="1.0" encoding="utf-8"?>
 <p:sld xmlns:a="http://schemas.openxmlformats.org/drawingml/2006/main" xmlns:r="http://schemas.openxmlformats.org/officeDocument/2006/relationships" xmlns:p="http://schemas.openxmlformats.org/presentationml/2006/main">
   <p:cSld>
     <p:spTree>
@@ -6265,10 +6346,9 @@
           <a:lstStyle/>
           <a:p>
             <a:r>
-              <a:rPr lang="en-US" dirty="0" smtClean="0"/>
-              <a:t>Serialization</a:t>
-            </a:r>
-            <a:endParaRPr lang="en-US" dirty="0"/>
+              <a:rPr lang="en-US" dirty="0"/>
+              <a:t>Serialization – Cleanup API</a:t>
+            </a:r>
           </a:p>
         </p:txBody>
       </p:sp>
@@ -6430,7 +6510,7 @@
 </p:sld>
 </file>
 
-<file path=ppt/slides/slide22.xml><?xml version="1.0" encoding="utf-8"?>
+<file path=ppt/slides/slide23.xml><?xml version="1.0" encoding="utf-8"?>
 <p:sld xmlns:a="http://schemas.openxmlformats.org/drawingml/2006/main" xmlns:r="http://schemas.openxmlformats.org/officeDocument/2006/relationships" xmlns:p="http://schemas.openxmlformats.org/presentationml/2006/main">
   <p:cSld>
     <p:spTree>
@@ -6463,10 +6543,9 @@
           <a:lstStyle/>
           <a:p>
             <a:r>
-              <a:rPr lang="en-US" dirty="0" smtClean="0"/>
-              <a:t>Serialization</a:t>
-            </a:r>
-            <a:endParaRPr lang="en-US" dirty="0"/>
+              <a:rPr lang="en-US" dirty="0"/>
+              <a:t>Serialization – Cleanup API</a:t>
+            </a:r>
           </a:p>
         </p:txBody>
       </p:sp>
@@ -6615,7 +6694,7 @@
 </p:sld>
 </file>
 
-<file path=ppt/slides/slide23.xml><?xml version="1.0" encoding="utf-8"?>
+<file path=ppt/slides/slide24.xml><?xml version="1.0" encoding="utf-8"?>
 <p:sld xmlns:a="http://schemas.openxmlformats.org/drawingml/2006/main" xmlns:r="http://schemas.openxmlformats.org/officeDocument/2006/relationships" xmlns:p="http://schemas.openxmlformats.org/presentationml/2006/main">
   <p:cSld>
     <p:spTree>
@@ -6648,10 +6727,9 @@
           <a:lstStyle/>
           <a:p>
             <a:r>
-              <a:rPr lang="en-US" dirty="0" smtClean="0"/>
-              <a:t>Serialization</a:t>
-            </a:r>
-            <a:endParaRPr lang="en-US" dirty="0"/>
+              <a:rPr lang="en-US" dirty="0"/>
+              <a:t>Serialization – Cleanup API</a:t>
+            </a:r>
           </a:p>
         </p:txBody>
       </p:sp>
@@ -6851,7 +6929,7 @@
 </p:sld>
 </file>
 
-<file path=ppt/slides/slide24.xml><?xml version="1.0" encoding="utf-8"?>
+<file path=ppt/slides/slide25.xml><?xml version="1.0" encoding="utf-8"?>
 <p:sld xmlns:a="http://schemas.openxmlformats.org/drawingml/2006/main" xmlns:r="http://schemas.openxmlformats.org/officeDocument/2006/relationships" xmlns:p="http://schemas.openxmlformats.org/presentationml/2006/main">
   <p:cSld>
     <p:spTree>
@@ -6884,10 +6962,9 @@
           <a:lstStyle/>
           <a:p>
             <a:r>
-              <a:rPr lang="en-US" dirty="0" smtClean="0"/>
-              <a:t>Serialization</a:t>
-            </a:r>
-            <a:endParaRPr lang="en-US" dirty="0"/>
+              <a:rPr lang="en-US" dirty="0"/>
+              <a:t>Serialization – Cleanup API</a:t>
+            </a:r>
           </a:p>
         </p:txBody>
       </p:sp>
@@ -6901,9 +6978,16 @@
             <p:ph sz="quarter" idx="1"/>
           </p:nvPr>
         </p:nvSpPr>
-        <p:spPr/>
-        <p:txBody>
-          <a:bodyPr/>
+        <p:spPr>
+          <a:xfrm>
+            <a:off x="612648" y="1600200"/>
+            <a:ext cx="8153400" cy="4724400"/>
+          </a:xfrm>
+        </p:spPr>
+        <p:txBody>
+          <a:bodyPr>
+            <a:normAutofit/>
+          </a:bodyPr>
           <a:lstStyle/>
           <a:p>
             <a:r>
@@ -6949,6 +7033,21 @@
             <a:r>
               <a:rPr lang="en-US" dirty="0" smtClean="0"/>
               <a:t> until you find ‘{‘ or ‘}’, then eat newline</a:t>
+            </a:r>
+          </a:p>
+          <a:p>
+            <a:pPr lvl="2"/>
+            <a:r>
+              <a:rPr lang="en-US" dirty="0" smtClean="0"/>
+              <a:t>Or use </a:t>
+            </a:r>
+            <a:r>
+              <a:rPr lang="en-US" dirty="0" err="1" smtClean="0"/>
+              <a:t>scanf</a:t>
+            </a:r>
+            <a:r>
+              <a:rPr lang="en-US" dirty="0" smtClean="0"/>
+              <a:t> power – mentioned in later slide</a:t>
             </a:r>
             <a:endParaRPr lang="en-US" dirty="0"/>
           </a:p>
@@ -7031,7 +7130,7 @@
 </p:sld>
 </file>
 
-<file path=ppt/slides/slide25.xml><?xml version="1.0" encoding="utf-8"?>
+<file path=ppt/slides/slide26.xml><?xml version="1.0" encoding="utf-8"?>
 <p:sld xmlns:a="http://schemas.openxmlformats.org/drawingml/2006/main" xmlns:r="http://schemas.openxmlformats.org/officeDocument/2006/relationships" xmlns:p="http://schemas.openxmlformats.org/presentationml/2006/main">
   <p:cSld>
     <p:spTree>
@@ -7216,7 +7315,7 @@
 </p:sld>
 </file>
 
-<file path=ppt/slides/slide26.xml><?xml version="1.0" encoding="utf-8"?>
+<file path=ppt/slides/slide27.xml><?xml version="1.0" encoding="utf-8"?>
 <p:sld xmlns:a="http://schemas.openxmlformats.org/drawingml/2006/main" xmlns:r="http://schemas.openxmlformats.org/officeDocument/2006/relationships" xmlns:p="http://schemas.openxmlformats.org/presentationml/2006/main">
   <p:cSld>
     <p:spTree>
@@ -7250,7 +7349,7 @@
           <a:p>
             <a:r>
               <a:rPr lang="en-US" dirty="0" smtClean="0"/>
-              <a:t>Serialization</a:t>
+              <a:t>Generic Serialization</a:t>
             </a:r>
             <a:endParaRPr lang="en-US" dirty="0"/>
           </a:p>
@@ -7266,7 +7365,12 @@
             <p:ph sz="quarter" idx="1"/>
           </p:nvPr>
         </p:nvSpPr>
-        <p:spPr/>
+        <p:spPr>
+          <a:xfrm>
+            <a:off x="612648" y="1600200"/>
+            <a:ext cx="8153400" cy="5181600"/>
+          </a:xfrm>
+        </p:spPr>
         <p:txBody>
           <a:bodyPr/>
           <a:lstStyle/>
@@ -7298,6 +7402,21 @@
             <a:r>
               <a:rPr lang="en-US" dirty="0" smtClean="0"/>
               <a:t>Things are going to get crazy.</a:t>
+            </a:r>
+          </a:p>
+          <a:p>
+            <a:pPr lvl="1"/>
+            <a:r>
+              <a:rPr lang="en-US" dirty="0" smtClean="0"/>
+              <a:t>Lets automate serialization so we write only a single routine for all </a:t>
+            </a:r>
+            <a:r>
+              <a:rPr lang="en-US" dirty="0" err="1" smtClean="0"/>
+              <a:t>structs</a:t>
+            </a:r>
+            <a:r>
+              <a:rPr lang="en-US" dirty="0" smtClean="0"/>
+              <a:t>!</a:t>
             </a:r>
             <a:endParaRPr lang="en-US" dirty="0"/>
           </a:p>
@@ -7369,7 +7488,7 @@
       </p:pic>
       <p:pic>
         <p:nvPicPr>
-          <p:cNvPr id="19458" name="Picture 2"/>
+          <p:cNvPr id="1026" name="Picture 2"/>
           <p:cNvPicPr>
             <a:picLocks noChangeAspect="1" noChangeArrowheads="1"/>
           </p:cNvPicPr>
@@ -7390,8 +7509,8 @@
         </p:blipFill>
         <p:spPr bwMode="auto">
           <a:xfrm>
-            <a:off x="4800600" y="2507000"/>
-            <a:ext cx="2868507" cy="2667000"/>
+            <a:off x="4364185" y="2366073"/>
+            <a:ext cx="3611562" cy="2976562"/>
           </a:xfrm>
           <a:prstGeom prst="rect">
             <a:avLst/>
@@ -7444,7 +7563,7 @@
 </p:sld>
 </file>
 
-<file path=ppt/slides/slide27.xml><?xml version="1.0" encoding="utf-8"?>
+<file path=ppt/slides/slide28.xml><?xml version="1.0" encoding="utf-8"?>
 <p:sld xmlns:a="http://schemas.openxmlformats.org/drawingml/2006/main" xmlns:r="http://schemas.openxmlformats.org/officeDocument/2006/relationships" xmlns:p="http://schemas.openxmlformats.org/presentationml/2006/main">
   <p:cSld>
     <p:spTree>
@@ -7477,9 +7596,2454 @@
           <a:lstStyle/>
           <a:p>
             <a:r>
+              <a:rPr lang="en-US" dirty="0" smtClean="0"/>
+              <a:t>Questions?</a:t>
+            </a:r>
+            <a:endParaRPr lang="en-US" dirty="0"/>
+          </a:p>
+        </p:txBody>
+      </p:sp>
+      <p:sp>
+        <p:nvSpPr>
+          <p:cNvPr id="3" name="Content Placeholder 2"/>
+          <p:cNvSpPr>
+            <a:spLocks noGrp="1"/>
+          </p:cNvSpPr>
+          <p:nvPr>
+            <p:ph sz="quarter" idx="1"/>
+          </p:nvPr>
+        </p:nvSpPr>
+        <p:spPr/>
+        <p:txBody>
+          <a:bodyPr/>
+          <a:lstStyle/>
+          <a:p>
+            <a:endParaRPr lang="en-US"/>
+          </a:p>
+        </p:txBody>
+      </p:sp>
+    </p:spTree>
+    <p:extLst>
+      <p:ext uri="{BB962C8B-B14F-4D97-AF65-F5344CB8AC3E}">
+        <p14:creationId xmlns:p14="http://schemas.microsoft.com/office/powerpoint/2010/main" val="2674851202"/>
+      </p:ext>
+    </p:extLst>
+  </p:cSld>
+  <p:clrMapOvr>
+    <a:masterClrMapping/>
+  </p:clrMapOvr>
+</p:sld>
+</file>
+
+<file path=ppt/slides/slide29.xml><?xml version="1.0" encoding="utf-8"?>
+<p:sld xmlns:a="http://schemas.openxmlformats.org/drawingml/2006/main" xmlns:r="http://schemas.openxmlformats.org/officeDocument/2006/relationships" xmlns:p="http://schemas.openxmlformats.org/presentationml/2006/main">
+  <p:cSld>
+    <p:spTree>
+      <p:nvGrpSpPr>
+        <p:cNvPr id="1" name=""/>
+        <p:cNvGrpSpPr/>
+        <p:nvPr/>
+      </p:nvGrpSpPr>
+      <p:grpSpPr>
+        <a:xfrm>
+          <a:off x="0" y="0"/>
+          <a:ext cx="0" cy="0"/>
+          <a:chOff x="0" y="0"/>
+          <a:chExt cx="0" cy="0"/>
+        </a:xfrm>
+      </p:grpSpPr>
+      <p:sp>
+        <p:nvSpPr>
+          <p:cNvPr id="2" name="Title 1"/>
+          <p:cNvSpPr>
+            <a:spLocks noGrp="1"/>
+          </p:cNvSpPr>
+          <p:nvPr>
+            <p:ph type="title"/>
+          </p:nvPr>
+        </p:nvSpPr>
+        <p:spPr/>
+        <p:txBody>
+          <a:bodyPr/>
+          <a:lstStyle/>
+          <a:p>
+            <a:r>
               <a:rPr lang="en-US" dirty="0"/>
-              <a:t>Final Tips</a:t>
-            </a:r>
+              <a:t>Generic Serialization</a:t>
+            </a:r>
+          </a:p>
+        </p:txBody>
+      </p:sp>
+      <p:sp>
+        <p:nvSpPr>
+          <p:cNvPr id="3" name="Content Placeholder 2"/>
+          <p:cNvSpPr>
+            <a:spLocks noGrp="1"/>
+          </p:cNvSpPr>
+          <p:nvPr>
+            <p:ph sz="quarter" idx="1"/>
+          </p:nvPr>
+        </p:nvSpPr>
+        <p:spPr>
+          <a:xfrm>
+            <a:off x="612648" y="1600200"/>
+            <a:ext cx="8153400" cy="5029200"/>
+          </a:xfrm>
+        </p:spPr>
+        <p:txBody>
+          <a:bodyPr>
+            <a:normAutofit/>
+          </a:bodyPr>
+          <a:lstStyle/>
+          <a:p>
+            <a:r>
+              <a:rPr lang="en-US" dirty="0" err="1" smtClean="0"/>
+              <a:t>scanf</a:t>
+            </a:r>
+            <a:r>
+              <a:rPr lang="en-US" dirty="0" smtClean="0"/>
+              <a:t> is mighty: </a:t>
+            </a:r>
+            <a:r>
+              <a:rPr lang="en-US" dirty="0" smtClean="0">
+                <a:hlinkClick r:id="rId2"/>
+              </a:rPr>
+              <a:t>link</a:t>
+            </a:r>
+            <a:endParaRPr lang="en-US" dirty="0" smtClean="0"/>
+          </a:p>
+          <a:p>
+            <a:r>
+              <a:rPr lang="en-US" dirty="0"/>
+              <a:t>%*[flags] [width] [.precision] </a:t>
+            </a:r>
+            <a:r>
+              <a:rPr lang="en-US" dirty="0" err="1" smtClean="0"/>
+              <a:t>specifier</a:t>
+            </a:r>
+            <a:endParaRPr lang="en-US" dirty="0" smtClean="0"/>
+          </a:p>
+          <a:p>
+            <a:r>
+              <a:rPr lang="en-US" dirty="0" smtClean="0"/>
+              <a:t>[]</a:t>
+            </a:r>
+          </a:p>
+          <a:p>
+            <a:pPr lvl="1"/>
+            <a:r>
+              <a:rPr lang="en-US" dirty="0" err="1"/>
+              <a:t>Scanset</a:t>
+            </a:r>
+            <a:r>
+              <a:rPr lang="en-US" dirty="0"/>
+              <a:t>; Reads </a:t>
+            </a:r>
+            <a:r>
+              <a:rPr lang="en-US" dirty="0" smtClean="0"/>
+              <a:t>chars as string until char is found that is not listed between []</a:t>
+            </a:r>
+          </a:p>
+          <a:p>
+            <a:r>
+              <a:rPr lang="en-US" dirty="0" smtClean="0"/>
+              <a:t>[</a:t>
+            </a:r>
+            <a:r>
+              <a:rPr lang="en-US" dirty="0"/>
+              <a:t>^ ]</a:t>
+            </a:r>
+            <a:endParaRPr lang="en-US" dirty="0" smtClean="0"/>
+          </a:p>
+          <a:p>
+            <a:pPr lvl="1"/>
+            <a:r>
+              <a:rPr lang="en-US" dirty="0" smtClean="0"/>
+              <a:t>Negation </a:t>
+            </a:r>
+            <a:r>
+              <a:rPr lang="en-US" dirty="0" err="1" smtClean="0"/>
+              <a:t>scanset</a:t>
+            </a:r>
+            <a:r>
+              <a:rPr lang="en-US" dirty="0" smtClean="0"/>
+              <a:t>; same as above, but reads all except for chars between ^]</a:t>
+            </a:r>
+          </a:p>
+          <a:p>
+            <a:r>
+              <a:rPr lang="en-US" dirty="0" smtClean="0"/>
+              <a:t>*</a:t>
+            </a:r>
+          </a:p>
+          <a:p>
+            <a:pPr lvl="1"/>
+            <a:r>
+              <a:rPr lang="en-US" dirty="0" smtClean="0"/>
+              <a:t>Negation; read </a:t>
+            </a:r>
+            <a:r>
+              <a:rPr lang="en-US" dirty="0" err="1" smtClean="0"/>
+              <a:t>specifier</a:t>
+            </a:r>
+            <a:r>
+              <a:rPr lang="en-US" dirty="0" smtClean="0"/>
+              <a:t> and do not assign (skip text)</a:t>
+            </a:r>
+            <a:endParaRPr lang="en-US" dirty="0"/>
+          </a:p>
+        </p:txBody>
+      </p:sp>
+    </p:spTree>
+    <p:extLst>
+      <p:ext uri="{BB962C8B-B14F-4D97-AF65-F5344CB8AC3E}">
+        <p14:creationId xmlns:p14="http://schemas.microsoft.com/office/powerpoint/2010/main" val="723776029"/>
+      </p:ext>
+    </p:extLst>
+  </p:cSld>
+  <p:clrMapOvr>
+    <a:masterClrMapping/>
+  </p:clrMapOvr>
+</p:sld>
+</file>
+
+<file path=ppt/slides/slide3.xml><?xml version="1.0" encoding="utf-8"?>
+<p:sld xmlns:a="http://schemas.openxmlformats.org/drawingml/2006/main" xmlns:r="http://schemas.openxmlformats.org/officeDocument/2006/relationships" xmlns:p="http://schemas.openxmlformats.org/presentationml/2006/main">
+  <p:cSld>
+    <p:spTree>
+      <p:nvGrpSpPr>
+        <p:cNvPr id="1" name=""/>
+        <p:cNvGrpSpPr/>
+        <p:nvPr/>
+      </p:nvGrpSpPr>
+      <p:grpSpPr>
+        <a:xfrm>
+          <a:off x="0" y="0"/>
+          <a:ext cx="0" cy="0"/>
+          <a:chOff x="0" y="0"/>
+          <a:chExt cx="0" cy="0"/>
+        </a:xfrm>
+      </p:grpSpPr>
+      <p:sp>
+        <p:nvSpPr>
+          <p:cNvPr id="2" name="Title 1"/>
+          <p:cNvSpPr>
+            <a:spLocks noGrp="1"/>
+          </p:cNvSpPr>
+          <p:nvPr>
+            <p:ph type="title"/>
+          </p:nvPr>
+        </p:nvSpPr>
+        <p:spPr/>
+        <p:txBody>
+          <a:bodyPr/>
+          <a:lstStyle/>
+          <a:p>
+            <a:r>
+              <a:rPr lang="en-US" dirty="0" smtClean="0"/>
+              <a:t>Serialization - Overview</a:t>
+            </a:r>
+            <a:endParaRPr lang="en-US" dirty="0"/>
+          </a:p>
+        </p:txBody>
+      </p:sp>
+      <p:sp>
+        <p:nvSpPr>
+          <p:cNvPr id="3" name="Content Placeholder 2"/>
+          <p:cNvSpPr>
+            <a:spLocks noGrp="1"/>
+          </p:cNvSpPr>
+          <p:nvPr>
+            <p:ph sz="quarter" idx="1"/>
+          </p:nvPr>
+        </p:nvSpPr>
+        <p:spPr/>
+        <p:txBody>
+          <a:bodyPr/>
+          <a:lstStyle/>
+          <a:p>
+            <a:r>
+              <a:rPr lang="en-US" dirty="0" smtClean="0"/>
+              <a:t>The problem</a:t>
+            </a:r>
+          </a:p>
+          <a:p>
+            <a:r>
+              <a:rPr lang="en-US" dirty="0" smtClean="0"/>
+              <a:t>Primitives</a:t>
+            </a:r>
+          </a:p>
+          <a:p>
+            <a:r>
+              <a:rPr lang="en-US" dirty="0" smtClean="0"/>
+              <a:t>Routines</a:t>
+            </a:r>
+          </a:p>
+          <a:p>
+            <a:r>
+              <a:rPr lang="en-US" dirty="0" smtClean="0"/>
+              <a:t>Improvement</a:t>
+            </a:r>
+          </a:p>
+          <a:p>
+            <a:r>
+              <a:rPr lang="en-US" dirty="0" smtClean="0"/>
+              <a:t>Generic serialization</a:t>
+            </a:r>
+          </a:p>
+          <a:p>
+            <a:pPr lvl="1"/>
+            <a:r>
+              <a:rPr lang="en-US" dirty="0" smtClean="0"/>
+              <a:t>Crazy happens</a:t>
+            </a:r>
+          </a:p>
+        </p:txBody>
+      </p:sp>
+    </p:spTree>
+    <p:extLst>
+      <p:ext uri="{BB962C8B-B14F-4D97-AF65-F5344CB8AC3E}">
+        <p14:creationId xmlns:p14="http://schemas.microsoft.com/office/powerpoint/2010/main" val="2497086890"/>
+      </p:ext>
+    </p:extLst>
+  </p:cSld>
+  <p:clrMapOvr>
+    <a:masterClrMapping/>
+  </p:clrMapOvr>
+  <p:timing>
+    <p:tnLst>
+      <p:par>
+        <p:cTn id="1" dur="indefinite" restart="never" nodeType="tmRoot"/>
+      </p:par>
+    </p:tnLst>
+  </p:timing>
+</p:sld>
+</file>
+
+<file path=ppt/slides/slide30.xml><?xml version="1.0" encoding="utf-8"?>
+<p:sld xmlns:a="http://schemas.openxmlformats.org/drawingml/2006/main" xmlns:r="http://schemas.openxmlformats.org/officeDocument/2006/relationships" xmlns:p="http://schemas.openxmlformats.org/presentationml/2006/main">
+  <p:cSld>
+    <p:spTree>
+      <p:nvGrpSpPr>
+        <p:cNvPr id="1" name=""/>
+        <p:cNvGrpSpPr/>
+        <p:nvPr/>
+      </p:nvGrpSpPr>
+      <p:grpSpPr>
+        <a:xfrm>
+          <a:off x="0" y="0"/>
+          <a:ext cx="0" cy="0"/>
+          <a:chOff x="0" y="0"/>
+          <a:chExt cx="0" cy="0"/>
+        </a:xfrm>
+      </p:grpSpPr>
+      <p:sp>
+        <p:nvSpPr>
+          <p:cNvPr id="2" name="Title 1"/>
+          <p:cNvSpPr>
+            <a:spLocks noGrp="1"/>
+          </p:cNvSpPr>
+          <p:nvPr>
+            <p:ph type="title"/>
+          </p:nvPr>
+        </p:nvSpPr>
+        <p:spPr/>
+        <p:txBody>
+          <a:bodyPr/>
+          <a:lstStyle/>
+          <a:p>
+            <a:r>
+              <a:rPr lang="en-US" dirty="0"/>
+              <a:t>Generic Serialization</a:t>
+            </a:r>
+          </a:p>
+        </p:txBody>
+      </p:sp>
+      <p:sp>
+        <p:nvSpPr>
+          <p:cNvPr id="3" name="Content Placeholder 2"/>
+          <p:cNvSpPr>
+            <a:spLocks noGrp="1"/>
+          </p:cNvSpPr>
+          <p:nvPr>
+            <p:ph sz="quarter" idx="1"/>
+          </p:nvPr>
+        </p:nvSpPr>
+        <p:spPr>
+          <a:xfrm>
+            <a:off x="612648" y="1600200"/>
+            <a:ext cx="8153400" cy="4876800"/>
+          </a:xfrm>
+        </p:spPr>
+        <p:txBody>
+          <a:bodyPr/>
+          <a:lstStyle/>
+          <a:p>
+            <a:r>
+              <a:rPr lang="en-US" dirty="0" smtClean="0"/>
+              <a:t>Given a text file, read the float 5.50:</a:t>
+            </a:r>
+          </a:p>
+          <a:p>
+            <a:endParaRPr lang="en-US" dirty="0"/>
+          </a:p>
+          <a:p>
+            <a:endParaRPr lang="en-US" dirty="0" smtClean="0"/>
+          </a:p>
+          <a:p>
+            <a:endParaRPr lang="en-US" dirty="0"/>
+          </a:p>
+          <a:p>
+            <a:r>
+              <a:rPr lang="en-US" dirty="0" err="1" smtClean="0"/>
+              <a:t>fscanf</a:t>
+            </a:r>
+            <a:r>
+              <a:rPr lang="en-US" dirty="0" smtClean="0"/>
+              <a:t>( </a:t>
+            </a:r>
+            <a:r>
+              <a:rPr lang="en-US" dirty="0" err="1" smtClean="0"/>
+              <a:t>fp</a:t>
+            </a:r>
+            <a:r>
+              <a:rPr lang="en-US" dirty="0" smtClean="0"/>
+              <a:t>, “%*[^=]= %f”, &amp;</a:t>
+            </a:r>
+            <a:r>
+              <a:rPr lang="en-US" dirty="0" err="1" smtClean="0"/>
+              <a:t>var</a:t>
+            </a:r>
+            <a:r>
+              <a:rPr lang="en-US" dirty="0" smtClean="0"/>
+              <a:t> );</a:t>
+            </a:r>
+          </a:p>
+          <a:p>
+            <a:pPr lvl="1"/>
+            <a:r>
+              <a:rPr lang="en-US" dirty="0" smtClean="0"/>
+              <a:t>Read in a string until = if found, do not assign this string</a:t>
+            </a:r>
+          </a:p>
+          <a:p>
+            <a:pPr lvl="1"/>
+            <a:r>
+              <a:rPr lang="en-US" dirty="0" smtClean="0"/>
+              <a:t>Read in equal sign</a:t>
+            </a:r>
+          </a:p>
+          <a:p>
+            <a:pPr lvl="1"/>
+            <a:r>
+              <a:rPr lang="en-US" dirty="0" smtClean="0"/>
+              <a:t>Read in a float and assign to &amp;</a:t>
+            </a:r>
+            <a:r>
+              <a:rPr lang="en-US" dirty="0" err="1" smtClean="0"/>
+              <a:t>var</a:t>
+            </a:r>
+            <a:endParaRPr lang="en-US" dirty="0"/>
+          </a:p>
+        </p:txBody>
+      </p:sp>
+      <p:pic>
+        <p:nvPicPr>
+          <p:cNvPr id="2050" name="Picture 2"/>
+          <p:cNvPicPr>
+            <a:picLocks noChangeAspect="1" noChangeArrowheads="1"/>
+          </p:cNvPicPr>
+          <p:nvPr/>
+        </p:nvPicPr>
+        <p:blipFill>
+          <a:blip r:embed="rId2">
+            <a:extLst>
+              <a:ext uri="{28A0092B-C50C-407E-A947-70E740481C1C}">
+                <a14:useLocalDpi xmlns:a14="http://schemas.microsoft.com/office/drawing/2010/main" val="0"/>
+              </a:ext>
+            </a:extLst>
+          </a:blip>
+          <a:srcRect/>
+          <a:stretch>
+            <a:fillRect/>
+          </a:stretch>
+        </p:blipFill>
+        <p:spPr bwMode="auto">
+          <a:xfrm>
+            <a:off x="2438400" y="2265218"/>
+            <a:ext cx="3810000" cy="1454440"/>
+          </a:xfrm>
+          <a:prstGeom prst="rect">
+            <a:avLst/>
+          </a:prstGeom>
+          <a:noFill/>
+          <a:ln>
+            <a:noFill/>
+          </a:ln>
+          <a:effectLst/>
+          <a:extLst>
+            <a:ext uri="{909E8E84-426E-40DD-AFC4-6F175D3DCCD1}">
+              <a14:hiddenFill xmlns:a14="http://schemas.microsoft.com/office/drawing/2010/main">
+                <a:solidFill>
+                  <a:schemeClr val="accent1"/>
+                </a:solidFill>
+              </a14:hiddenFill>
+            </a:ext>
+            <a:ext uri="{91240B29-F687-4F45-9708-019B960494DF}">
+              <a14:hiddenLine xmlns:a14="http://schemas.microsoft.com/office/drawing/2010/main" w="9525">
+                <a:solidFill>
+                  <a:schemeClr val="tx1"/>
+                </a:solidFill>
+                <a:miter lim="800000"/>
+                <a:headEnd/>
+                <a:tailEnd/>
+              </a14:hiddenLine>
+            </a:ext>
+            <a:ext uri="{AF507438-7753-43E0-B8FC-AC1667EBCBE1}">
+              <a14:hiddenEffects xmlns:a14="http://schemas.microsoft.com/office/drawing/2010/main">
+                <a:effectLst>
+                  <a:outerShdw dist="35921" dir="2700000" algn="ctr" rotWithShape="0">
+                    <a:schemeClr val="bg2"/>
+                  </a:outerShdw>
+                </a:effectLst>
+              </a14:hiddenEffects>
+            </a:ext>
+          </a:extLst>
+        </p:spPr>
+      </p:pic>
+    </p:spTree>
+    <p:extLst>
+      <p:ext uri="{BB962C8B-B14F-4D97-AF65-F5344CB8AC3E}">
+        <p14:creationId xmlns:p14="http://schemas.microsoft.com/office/powerpoint/2010/main" val="3413357263"/>
+      </p:ext>
+    </p:extLst>
+  </p:cSld>
+  <p:clrMapOvr>
+    <a:masterClrMapping/>
+  </p:clrMapOvr>
+</p:sld>
+</file>
+
+<file path=ppt/slides/slide31.xml><?xml version="1.0" encoding="utf-8"?>
+<p:sld xmlns:a="http://schemas.openxmlformats.org/drawingml/2006/main" xmlns:r="http://schemas.openxmlformats.org/officeDocument/2006/relationships" xmlns:p="http://schemas.openxmlformats.org/presentationml/2006/main">
+  <p:cSld>
+    <p:spTree>
+      <p:nvGrpSpPr>
+        <p:cNvPr id="1" name=""/>
+        <p:cNvGrpSpPr/>
+        <p:nvPr/>
+      </p:nvGrpSpPr>
+      <p:grpSpPr>
+        <a:xfrm>
+          <a:off x="0" y="0"/>
+          <a:ext cx="0" cy="0"/>
+          <a:chOff x="0" y="0"/>
+          <a:chExt cx="0" cy="0"/>
+        </a:xfrm>
+      </p:grpSpPr>
+      <p:sp>
+        <p:nvSpPr>
+          <p:cNvPr id="2" name="Title 1"/>
+          <p:cNvSpPr>
+            <a:spLocks noGrp="1"/>
+          </p:cNvSpPr>
+          <p:nvPr>
+            <p:ph type="title"/>
+          </p:nvPr>
+        </p:nvSpPr>
+        <p:spPr/>
+        <p:txBody>
+          <a:bodyPr/>
+          <a:lstStyle/>
+          <a:p>
+            <a:r>
+              <a:rPr lang="en-US" dirty="0"/>
+              <a:t>Generic Serialization</a:t>
+            </a:r>
+          </a:p>
+        </p:txBody>
+      </p:sp>
+      <p:sp>
+        <p:nvSpPr>
+          <p:cNvPr id="3" name="Content Placeholder 2"/>
+          <p:cNvSpPr>
+            <a:spLocks noGrp="1"/>
+          </p:cNvSpPr>
+          <p:nvPr>
+            <p:ph sz="quarter" idx="1"/>
+          </p:nvPr>
+        </p:nvSpPr>
+        <p:spPr/>
+        <p:txBody>
+          <a:bodyPr/>
+          <a:lstStyle/>
+          <a:p>
+            <a:r>
+              <a:rPr lang="en-US" dirty="0" smtClean="0"/>
+              <a:t>Some new primitives</a:t>
+            </a:r>
+          </a:p>
+          <a:p>
+            <a:pPr lvl="1"/>
+            <a:r>
+              <a:rPr lang="en-US" dirty="0" smtClean="0"/>
+              <a:t>Skip over text until = sign found, read in data</a:t>
+            </a:r>
+            <a:endParaRPr lang="en-US" dirty="0"/>
+          </a:p>
+        </p:txBody>
+      </p:sp>
+      <p:pic>
+        <p:nvPicPr>
+          <p:cNvPr id="3074" name="Picture 2"/>
+          <p:cNvPicPr>
+            <a:picLocks noChangeAspect="1" noChangeArrowheads="1"/>
+          </p:cNvPicPr>
+          <p:nvPr/>
+        </p:nvPicPr>
+        <p:blipFill>
+          <a:blip r:embed="rId2">
+            <a:extLst>
+              <a:ext uri="{28A0092B-C50C-407E-A947-70E740481C1C}">
+                <a14:useLocalDpi xmlns:a14="http://schemas.microsoft.com/office/drawing/2010/main" val="0"/>
+              </a:ext>
+            </a:extLst>
+          </a:blip>
+          <a:srcRect/>
+          <a:stretch>
+            <a:fillRect/>
+          </a:stretch>
+        </p:blipFill>
+        <p:spPr bwMode="auto">
+          <a:xfrm>
+            <a:off x="1669473" y="2743200"/>
+            <a:ext cx="5825836" cy="3703755"/>
+          </a:xfrm>
+          <a:prstGeom prst="rect">
+            <a:avLst/>
+          </a:prstGeom>
+          <a:noFill/>
+          <a:ln>
+            <a:noFill/>
+          </a:ln>
+          <a:effectLst/>
+          <a:extLst>
+            <a:ext uri="{909E8E84-426E-40DD-AFC4-6F175D3DCCD1}">
+              <a14:hiddenFill xmlns:a14="http://schemas.microsoft.com/office/drawing/2010/main">
+                <a:solidFill>
+                  <a:schemeClr val="accent1"/>
+                </a:solidFill>
+              </a14:hiddenFill>
+            </a:ext>
+            <a:ext uri="{91240B29-F687-4F45-9708-019B960494DF}">
+              <a14:hiddenLine xmlns:a14="http://schemas.microsoft.com/office/drawing/2010/main" w="9525">
+                <a:solidFill>
+                  <a:schemeClr val="tx1"/>
+                </a:solidFill>
+                <a:miter lim="800000"/>
+                <a:headEnd/>
+                <a:tailEnd/>
+              </a14:hiddenLine>
+            </a:ext>
+            <a:ext uri="{AF507438-7753-43E0-B8FC-AC1667EBCBE1}">
+              <a14:hiddenEffects xmlns:a14="http://schemas.microsoft.com/office/drawing/2010/main">
+                <a:effectLst>
+                  <a:outerShdw dist="35921" dir="2700000" algn="ctr" rotWithShape="0">
+                    <a:schemeClr val="bg2"/>
+                  </a:outerShdw>
+                </a:effectLst>
+              </a14:hiddenEffects>
+            </a:ext>
+          </a:extLst>
+        </p:spPr>
+      </p:pic>
+    </p:spTree>
+    <p:extLst>
+      <p:ext uri="{BB962C8B-B14F-4D97-AF65-F5344CB8AC3E}">
+        <p14:creationId xmlns:p14="http://schemas.microsoft.com/office/powerpoint/2010/main" val="1173988421"/>
+      </p:ext>
+    </p:extLst>
+  </p:cSld>
+  <p:clrMapOvr>
+    <a:masterClrMapping/>
+  </p:clrMapOvr>
+</p:sld>
+</file>
+
+<file path=ppt/slides/slide32.xml><?xml version="1.0" encoding="utf-8"?>
+<p:sld xmlns:a="http://schemas.openxmlformats.org/drawingml/2006/main" xmlns:r="http://schemas.openxmlformats.org/officeDocument/2006/relationships" xmlns:p="http://schemas.openxmlformats.org/presentationml/2006/main">
+  <p:cSld>
+    <p:spTree>
+      <p:nvGrpSpPr>
+        <p:cNvPr id="1" name=""/>
+        <p:cNvGrpSpPr/>
+        <p:nvPr/>
+      </p:nvGrpSpPr>
+      <p:grpSpPr>
+        <a:xfrm>
+          <a:off x="0" y="0"/>
+          <a:ext cx="0" cy="0"/>
+          <a:chOff x="0" y="0"/>
+          <a:chExt cx="0" cy="0"/>
+        </a:xfrm>
+      </p:grpSpPr>
+      <p:sp>
+        <p:nvSpPr>
+          <p:cNvPr id="2" name="Title 1"/>
+          <p:cNvSpPr>
+            <a:spLocks noGrp="1"/>
+          </p:cNvSpPr>
+          <p:nvPr>
+            <p:ph type="title"/>
+          </p:nvPr>
+        </p:nvSpPr>
+        <p:spPr/>
+        <p:txBody>
+          <a:bodyPr/>
+          <a:lstStyle/>
+          <a:p>
+            <a:r>
+              <a:rPr lang="en-US" dirty="0"/>
+              <a:t>Generic Serialization</a:t>
+            </a:r>
+          </a:p>
+        </p:txBody>
+      </p:sp>
+      <p:sp>
+        <p:nvSpPr>
+          <p:cNvPr id="3" name="Content Placeholder 2"/>
+          <p:cNvSpPr>
+            <a:spLocks noGrp="1"/>
+          </p:cNvSpPr>
+          <p:nvPr>
+            <p:ph sz="quarter" idx="1"/>
+          </p:nvPr>
+        </p:nvSpPr>
+        <p:spPr/>
+        <p:txBody>
+          <a:bodyPr/>
+          <a:lstStyle/>
+          <a:p>
+            <a:r>
+              <a:rPr lang="en-US" dirty="0" smtClean="0"/>
+              <a:t>Okay prettification done</a:t>
+            </a:r>
+          </a:p>
+          <a:p>
+            <a:r>
+              <a:rPr lang="en-US" dirty="0" smtClean="0"/>
+              <a:t>Lets automate our serialization routine</a:t>
+            </a:r>
+          </a:p>
+          <a:p>
+            <a:r>
+              <a:rPr lang="en-US" dirty="0" smtClean="0"/>
+              <a:t>Write single routine for all </a:t>
+            </a:r>
+            <a:r>
+              <a:rPr lang="en-US" dirty="0" err="1" smtClean="0"/>
+              <a:t>structs</a:t>
+            </a:r>
+            <a:endParaRPr lang="en-US" dirty="0" smtClean="0"/>
+          </a:p>
+          <a:p>
+            <a:r>
+              <a:rPr lang="en-US" dirty="0" smtClean="0"/>
+              <a:t>But how?</a:t>
+            </a:r>
+          </a:p>
+          <a:p>
+            <a:pPr lvl="1"/>
+            <a:r>
+              <a:rPr lang="en-US" dirty="0" smtClean="0"/>
+              <a:t>Macros</a:t>
+            </a:r>
+            <a:endParaRPr lang="en-US" dirty="0"/>
+          </a:p>
+        </p:txBody>
+      </p:sp>
+    </p:spTree>
+    <p:extLst>
+      <p:ext uri="{BB962C8B-B14F-4D97-AF65-F5344CB8AC3E}">
+        <p14:creationId xmlns:p14="http://schemas.microsoft.com/office/powerpoint/2010/main" val="3127028975"/>
+      </p:ext>
+    </p:extLst>
+  </p:cSld>
+  <p:clrMapOvr>
+    <a:masterClrMapping/>
+  </p:clrMapOvr>
+</p:sld>
+</file>
+
+<file path=ppt/slides/slide33.xml><?xml version="1.0" encoding="utf-8"?>
+<p:sld xmlns:a="http://schemas.openxmlformats.org/drawingml/2006/main" xmlns:r="http://schemas.openxmlformats.org/officeDocument/2006/relationships" xmlns:p="http://schemas.openxmlformats.org/presentationml/2006/main">
+  <p:cSld>
+    <p:spTree>
+      <p:nvGrpSpPr>
+        <p:cNvPr id="1" name=""/>
+        <p:cNvGrpSpPr/>
+        <p:nvPr/>
+      </p:nvGrpSpPr>
+      <p:grpSpPr>
+        <a:xfrm>
+          <a:off x="0" y="0"/>
+          <a:ext cx="0" cy="0"/>
+          <a:chOff x="0" y="0"/>
+          <a:chExt cx="0" cy="0"/>
+        </a:xfrm>
+      </p:grpSpPr>
+      <p:sp>
+        <p:nvSpPr>
+          <p:cNvPr id="2" name="Title 1"/>
+          <p:cNvSpPr>
+            <a:spLocks noGrp="1"/>
+          </p:cNvSpPr>
+          <p:nvPr>
+            <p:ph type="title"/>
+          </p:nvPr>
+        </p:nvSpPr>
+        <p:spPr/>
+        <p:txBody>
+          <a:bodyPr/>
+          <a:lstStyle/>
+          <a:p>
+            <a:r>
+              <a:rPr lang="en-US" dirty="0" smtClean="0"/>
+              <a:t>A New Way of Thinking</a:t>
+            </a:r>
+            <a:endParaRPr lang="en-US" dirty="0"/>
+          </a:p>
+        </p:txBody>
+      </p:sp>
+      <p:sp>
+        <p:nvSpPr>
+          <p:cNvPr id="3" name="Content Placeholder 2"/>
+          <p:cNvSpPr>
+            <a:spLocks noGrp="1"/>
+          </p:cNvSpPr>
+          <p:nvPr>
+            <p:ph sz="quarter" idx="1"/>
+          </p:nvPr>
+        </p:nvSpPr>
+        <p:spPr/>
+        <p:txBody>
+          <a:bodyPr/>
+          <a:lstStyle/>
+          <a:p>
+            <a:r>
+              <a:rPr lang="en-US" dirty="0" smtClean="0"/>
+              <a:t>Tools at our disposal:</a:t>
+            </a:r>
+          </a:p>
+          <a:p>
+            <a:pPr lvl="1"/>
+            <a:r>
+              <a:rPr lang="en-US" dirty="0" smtClean="0"/>
+              <a:t>Parameterized macro</a:t>
+            </a:r>
+          </a:p>
+          <a:p>
+            <a:pPr lvl="1"/>
+            <a:r>
+              <a:rPr lang="en-US" dirty="0" err="1" smtClean="0"/>
+              <a:t>Stringize</a:t>
+            </a:r>
+            <a:endParaRPr lang="en-US" dirty="0" smtClean="0"/>
+          </a:p>
+          <a:p>
+            <a:pPr lvl="1"/>
+            <a:r>
+              <a:rPr lang="en-US" dirty="0" smtClean="0"/>
+              <a:t>Token pasting</a:t>
+            </a:r>
+          </a:p>
+          <a:p>
+            <a:pPr lvl="1"/>
+            <a:r>
+              <a:rPr lang="en-US" dirty="0" err="1" smtClean="0"/>
+              <a:t>Undef</a:t>
+            </a:r>
+            <a:endParaRPr lang="en-US" dirty="0" smtClean="0"/>
+          </a:p>
+          <a:p>
+            <a:pPr lvl="1"/>
+            <a:r>
+              <a:rPr lang="en-US" dirty="0" smtClean="0"/>
+              <a:t>Include protection</a:t>
+            </a:r>
+          </a:p>
+          <a:p>
+            <a:pPr lvl="2"/>
+            <a:r>
+              <a:rPr lang="en-US" dirty="0" smtClean="0"/>
+              <a:t>#pragma once</a:t>
+            </a:r>
+            <a:endParaRPr lang="en-US" dirty="0"/>
+          </a:p>
+        </p:txBody>
+      </p:sp>
+    </p:spTree>
+    <p:extLst>
+      <p:ext uri="{BB962C8B-B14F-4D97-AF65-F5344CB8AC3E}">
+        <p14:creationId xmlns:p14="http://schemas.microsoft.com/office/powerpoint/2010/main" val="2865452867"/>
+      </p:ext>
+    </p:extLst>
+  </p:cSld>
+  <p:clrMapOvr>
+    <a:masterClrMapping/>
+  </p:clrMapOvr>
+</p:sld>
+</file>
+
+<file path=ppt/slides/slide34.xml><?xml version="1.0" encoding="utf-8"?>
+<p:sld xmlns:a="http://schemas.openxmlformats.org/drawingml/2006/main" xmlns:r="http://schemas.openxmlformats.org/officeDocument/2006/relationships" xmlns:p="http://schemas.openxmlformats.org/presentationml/2006/main">
+  <p:cSld>
+    <p:spTree>
+      <p:nvGrpSpPr>
+        <p:cNvPr id="1" name=""/>
+        <p:cNvGrpSpPr/>
+        <p:nvPr/>
+      </p:nvGrpSpPr>
+      <p:grpSpPr>
+        <a:xfrm>
+          <a:off x="0" y="0"/>
+          <a:ext cx="0" cy="0"/>
+          <a:chOff x="0" y="0"/>
+          <a:chExt cx="0" cy="0"/>
+        </a:xfrm>
+      </p:grpSpPr>
+      <p:sp>
+        <p:nvSpPr>
+          <p:cNvPr id="2" name="Title 1"/>
+          <p:cNvSpPr>
+            <a:spLocks noGrp="1"/>
+          </p:cNvSpPr>
+          <p:nvPr>
+            <p:ph type="title"/>
+          </p:nvPr>
+        </p:nvSpPr>
+        <p:spPr/>
+        <p:txBody>
+          <a:bodyPr/>
+          <a:lstStyle/>
+          <a:p>
+            <a:r>
+              <a:rPr lang="en-US" dirty="0" smtClean="0"/>
+              <a:t>A New Way of Thinking</a:t>
+            </a:r>
+            <a:endParaRPr lang="en-US" dirty="0"/>
+          </a:p>
+        </p:txBody>
+      </p:sp>
+      <p:sp>
+        <p:nvSpPr>
+          <p:cNvPr id="3" name="Content Placeholder 2"/>
+          <p:cNvSpPr>
+            <a:spLocks noGrp="1"/>
+          </p:cNvSpPr>
+          <p:nvPr>
+            <p:ph sz="quarter" idx="1"/>
+          </p:nvPr>
+        </p:nvSpPr>
+        <p:spPr/>
+        <p:txBody>
+          <a:bodyPr/>
+          <a:lstStyle/>
+          <a:p>
+            <a:r>
+              <a:rPr lang="en-US" dirty="0" smtClean="0"/>
+              <a:t>Overall idea</a:t>
+            </a:r>
+          </a:p>
+          <a:p>
+            <a:pPr lvl="1"/>
+            <a:r>
+              <a:rPr lang="en-US" dirty="0" smtClean="0"/>
+              <a:t>Create data file that fills out some macros</a:t>
+            </a:r>
+          </a:p>
+          <a:p>
+            <a:pPr lvl="1"/>
+            <a:r>
+              <a:rPr lang="en-US" dirty="0" smtClean="0"/>
+              <a:t>Define those macros</a:t>
+            </a:r>
+          </a:p>
+          <a:p>
+            <a:pPr lvl="1"/>
+            <a:r>
+              <a:rPr lang="en-US" dirty="0" smtClean="0"/>
+              <a:t>Include data file</a:t>
+            </a:r>
+          </a:p>
+          <a:p>
+            <a:pPr lvl="2"/>
+            <a:r>
+              <a:rPr lang="en-US" dirty="0" smtClean="0"/>
+              <a:t>Macros expand</a:t>
+            </a:r>
+          </a:p>
+          <a:p>
+            <a:pPr lvl="1"/>
+            <a:r>
+              <a:rPr lang="en-US" dirty="0" err="1" smtClean="0"/>
+              <a:t>Undef</a:t>
+            </a:r>
+            <a:r>
+              <a:rPr lang="en-US" dirty="0" smtClean="0"/>
+              <a:t> macros</a:t>
+            </a:r>
+          </a:p>
+          <a:p>
+            <a:pPr lvl="1"/>
+            <a:r>
+              <a:rPr lang="en-US" dirty="0" smtClean="0"/>
+              <a:t>Define new macros</a:t>
+            </a:r>
+          </a:p>
+          <a:p>
+            <a:pPr lvl="1"/>
+            <a:r>
+              <a:rPr lang="en-US" dirty="0" err="1" smtClean="0"/>
+              <a:t>Inlcude</a:t>
+            </a:r>
+            <a:r>
+              <a:rPr lang="en-US" dirty="0" smtClean="0"/>
+              <a:t> data file</a:t>
+            </a:r>
+          </a:p>
+          <a:p>
+            <a:pPr lvl="2"/>
+            <a:r>
+              <a:rPr lang="en-US" dirty="0" smtClean="0"/>
+              <a:t>Macros expand to something else</a:t>
+            </a:r>
+            <a:endParaRPr lang="en-US" dirty="0"/>
+          </a:p>
+        </p:txBody>
+      </p:sp>
+    </p:spTree>
+    <p:extLst>
+      <p:ext uri="{BB962C8B-B14F-4D97-AF65-F5344CB8AC3E}">
+        <p14:creationId xmlns:p14="http://schemas.microsoft.com/office/powerpoint/2010/main" val="672476669"/>
+      </p:ext>
+    </p:extLst>
+  </p:cSld>
+  <p:clrMapOvr>
+    <a:masterClrMapping/>
+  </p:clrMapOvr>
+</p:sld>
+</file>
+
+<file path=ppt/slides/slide35.xml><?xml version="1.0" encoding="utf-8"?>
+<p:sld xmlns:a="http://schemas.openxmlformats.org/drawingml/2006/main" xmlns:r="http://schemas.openxmlformats.org/officeDocument/2006/relationships" xmlns:p="http://schemas.openxmlformats.org/presentationml/2006/main">
+  <p:cSld>
+    <p:spTree>
+      <p:nvGrpSpPr>
+        <p:cNvPr id="1" name=""/>
+        <p:cNvGrpSpPr/>
+        <p:nvPr/>
+      </p:nvGrpSpPr>
+      <p:grpSpPr>
+        <a:xfrm>
+          <a:off x="0" y="0"/>
+          <a:ext cx="0" cy="0"/>
+          <a:chOff x="0" y="0"/>
+          <a:chExt cx="0" cy="0"/>
+        </a:xfrm>
+      </p:grpSpPr>
+      <p:sp>
+        <p:nvSpPr>
+          <p:cNvPr id="2" name="Title 1"/>
+          <p:cNvSpPr>
+            <a:spLocks noGrp="1"/>
+          </p:cNvSpPr>
+          <p:nvPr>
+            <p:ph type="title"/>
+          </p:nvPr>
+        </p:nvSpPr>
+        <p:spPr/>
+        <p:txBody>
+          <a:bodyPr/>
+          <a:lstStyle/>
+          <a:p>
+            <a:r>
+              <a:rPr lang="en-US" dirty="0" smtClean="0"/>
+              <a:t>A New Way of Thinking</a:t>
+            </a:r>
+            <a:endParaRPr lang="en-US" dirty="0"/>
+          </a:p>
+        </p:txBody>
+      </p:sp>
+      <p:sp>
+        <p:nvSpPr>
+          <p:cNvPr id="3" name="Content Placeholder 2"/>
+          <p:cNvSpPr>
+            <a:spLocks noGrp="1"/>
+          </p:cNvSpPr>
+          <p:nvPr>
+            <p:ph sz="quarter" idx="1"/>
+          </p:nvPr>
+        </p:nvSpPr>
+        <p:spPr/>
+        <p:txBody>
+          <a:bodyPr/>
+          <a:lstStyle/>
+          <a:p>
+            <a:r>
+              <a:rPr lang="en-US" dirty="0" smtClean="0"/>
+              <a:t>Data file</a:t>
+            </a:r>
+          </a:p>
+          <a:p>
+            <a:endParaRPr lang="en-US" dirty="0"/>
+          </a:p>
+          <a:p>
+            <a:endParaRPr lang="en-US" dirty="0" smtClean="0"/>
+          </a:p>
+          <a:p>
+            <a:endParaRPr lang="en-US" dirty="0"/>
+          </a:p>
+          <a:p>
+            <a:r>
+              <a:rPr lang="en-US" dirty="0" err="1" smtClean="0"/>
+              <a:t>MyObjectData.h</a:t>
+            </a:r>
+            <a:endParaRPr lang="en-US" dirty="0" smtClean="0"/>
+          </a:p>
+          <a:p>
+            <a:pPr lvl="1"/>
+            <a:r>
+              <a:rPr lang="en-US" dirty="0" smtClean="0"/>
+              <a:t>Holds inputs to yet to be defined macros</a:t>
+            </a:r>
+          </a:p>
+        </p:txBody>
+      </p:sp>
+      <p:pic>
+        <p:nvPicPr>
+          <p:cNvPr id="4098" name="Picture 2"/>
+          <p:cNvPicPr>
+            <a:picLocks noChangeAspect="1" noChangeArrowheads="1"/>
+          </p:cNvPicPr>
+          <p:nvPr/>
+        </p:nvPicPr>
+        <p:blipFill>
+          <a:blip r:embed="rId2">
+            <a:extLst>
+              <a:ext uri="{28A0092B-C50C-407E-A947-70E740481C1C}">
+                <a14:useLocalDpi xmlns:a14="http://schemas.microsoft.com/office/drawing/2010/main" val="0"/>
+              </a:ext>
+            </a:extLst>
+          </a:blip>
+          <a:srcRect/>
+          <a:stretch>
+            <a:fillRect/>
+          </a:stretch>
+        </p:blipFill>
+        <p:spPr bwMode="auto">
+          <a:xfrm>
+            <a:off x="2514600" y="1620982"/>
+            <a:ext cx="3429000" cy="1828800"/>
+          </a:xfrm>
+          <a:prstGeom prst="rect">
+            <a:avLst/>
+          </a:prstGeom>
+          <a:noFill/>
+          <a:ln>
+            <a:noFill/>
+          </a:ln>
+          <a:effectLst/>
+          <a:extLst>
+            <a:ext uri="{909E8E84-426E-40DD-AFC4-6F175D3DCCD1}">
+              <a14:hiddenFill xmlns:a14="http://schemas.microsoft.com/office/drawing/2010/main">
+                <a:solidFill>
+                  <a:schemeClr val="accent1"/>
+                </a:solidFill>
+              </a14:hiddenFill>
+            </a:ext>
+            <a:ext uri="{91240B29-F687-4F45-9708-019B960494DF}">
+              <a14:hiddenLine xmlns:a14="http://schemas.microsoft.com/office/drawing/2010/main" w="9525">
+                <a:solidFill>
+                  <a:schemeClr val="tx1"/>
+                </a:solidFill>
+                <a:miter lim="800000"/>
+                <a:headEnd/>
+                <a:tailEnd/>
+              </a14:hiddenLine>
+            </a:ext>
+            <a:ext uri="{AF507438-7753-43E0-B8FC-AC1667EBCBE1}">
+              <a14:hiddenEffects xmlns:a14="http://schemas.microsoft.com/office/drawing/2010/main">
+                <a:effectLst>
+                  <a:outerShdw dist="35921" dir="2700000" algn="ctr" rotWithShape="0">
+                    <a:schemeClr val="bg2"/>
+                  </a:outerShdw>
+                </a:effectLst>
+              </a14:hiddenEffects>
+            </a:ext>
+          </a:extLst>
+        </p:spPr>
+      </p:pic>
+    </p:spTree>
+    <p:extLst>
+      <p:ext uri="{BB962C8B-B14F-4D97-AF65-F5344CB8AC3E}">
+        <p14:creationId xmlns:p14="http://schemas.microsoft.com/office/powerpoint/2010/main" val="2028099202"/>
+      </p:ext>
+    </p:extLst>
+  </p:cSld>
+  <p:clrMapOvr>
+    <a:masterClrMapping/>
+  </p:clrMapOvr>
+</p:sld>
+</file>
+
+<file path=ppt/slides/slide36.xml><?xml version="1.0" encoding="utf-8"?>
+<p:sld xmlns:a="http://schemas.openxmlformats.org/drawingml/2006/main" xmlns:r="http://schemas.openxmlformats.org/officeDocument/2006/relationships" xmlns:p="http://schemas.openxmlformats.org/presentationml/2006/main">
+  <p:cSld>
+    <p:spTree>
+      <p:nvGrpSpPr>
+        <p:cNvPr id="1" name=""/>
+        <p:cNvGrpSpPr/>
+        <p:nvPr/>
+      </p:nvGrpSpPr>
+      <p:grpSpPr>
+        <a:xfrm>
+          <a:off x="0" y="0"/>
+          <a:ext cx="0" cy="0"/>
+          <a:chOff x="0" y="0"/>
+          <a:chExt cx="0" cy="0"/>
+        </a:xfrm>
+      </p:grpSpPr>
+      <p:sp>
+        <p:nvSpPr>
+          <p:cNvPr id="2" name="Title 1"/>
+          <p:cNvSpPr>
+            <a:spLocks noGrp="1"/>
+          </p:cNvSpPr>
+          <p:nvPr>
+            <p:ph type="title"/>
+          </p:nvPr>
+        </p:nvSpPr>
+        <p:spPr/>
+        <p:txBody>
+          <a:bodyPr/>
+          <a:lstStyle/>
+          <a:p>
+            <a:r>
+              <a:rPr lang="en-US" dirty="0"/>
+              <a:t>A New Way of Thinking</a:t>
+            </a:r>
+          </a:p>
+        </p:txBody>
+      </p:sp>
+      <p:sp>
+        <p:nvSpPr>
+          <p:cNvPr id="3" name="Content Placeholder 2"/>
+          <p:cNvSpPr>
+            <a:spLocks noGrp="1"/>
+          </p:cNvSpPr>
+          <p:nvPr>
+            <p:ph sz="quarter" idx="1"/>
+          </p:nvPr>
+        </p:nvSpPr>
+        <p:spPr/>
+        <p:txBody>
+          <a:bodyPr/>
+          <a:lstStyle/>
+          <a:p>
+            <a:r>
+              <a:rPr lang="en-US" dirty="0" smtClean="0"/>
+              <a:t>Defines</a:t>
+            </a:r>
+            <a:endParaRPr lang="en-US" dirty="0"/>
+          </a:p>
+        </p:txBody>
+      </p:sp>
+      <p:pic>
+        <p:nvPicPr>
+          <p:cNvPr id="4" name="Picture 3"/>
+          <p:cNvPicPr>
+            <a:picLocks noChangeAspect="1" noChangeArrowheads="1"/>
+          </p:cNvPicPr>
+          <p:nvPr/>
+        </p:nvPicPr>
+        <p:blipFill>
+          <a:blip r:embed="rId2">
+            <a:extLst>
+              <a:ext uri="{28A0092B-C50C-407E-A947-70E740481C1C}">
+                <a14:useLocalDpi xmlns:a14="http://schemas.microsoft.com/office/drawing/2010/main" val="0"/>
+              </a:ext>
+            </a:extLst>
+          </a:blip>
+          <a:srcRect/>
+          <a:stretch>
+            <a:fillRect/>
+          </a:stretch>
+        </p:blipFill>
+        <p:spPr bwMode="auto">
+          <a:xfrm>
+            <a:off x="2209800" y="2133599"/>
+            <a:ext cx="5410200" cy="4275803"/>
+          </a:xfrm>
+          <a:prstGeom prst="rect">
+            <a:avLst/>
+          </a:prstGeom>
+          <a:noFill/>
+          <a:ln>
+            <a:noFill/>
+          </a:ln>
+          <a:effectLst/>
+          <a:extLst>
+            <a:ext uri="{909E8E84-426E-40DD-AFC4-6F175D3DCCD1}">
+              <a14:hiddenFill xmlns:a14="http://schemas.microsoft.com/office/drawing/2010/main">
+                <a:solidFill>
+                  <a:schemeClr val="accent1"/>
+                </a:solidFill>
+              </a14:hiddenFill>
+            </a:ext>
+            <a:ext uri="{91240B29-F687-4F45-9708-019B960494DF}">
+              <a14:hiddenLine xmlns:a14="http://schemas.microsoft.com/office/drawing/2010/main" w="9525">
+                <a:solidFill>
+                  <a:schemeClr val="tx1"/>
+                </a:solidFill>
+                <a:miter lim="800000"/>
+                <a:headEnd/>
+                <a:tailEnd/>
+              </a14:hiddenLine>
+            </a:ext>
+            <a:ext uri="{AF507438-7753-43E0-B8FC-AC1667EBCBE1}">
+              <a14:hiddenEffects xmlns:a14="http://schemas.microsoft.com/office/drawing/2010/main">
+                <a:effectLst>
+                  <a:outerShdw dist="35921" dir="2700000" algn="ctr" rotWithShape="0">
+                    <a:schemeClr val="bg2"/>
+                  </a:outerShdw>
+                </a:effectLst>
+              </a14:hiddenEffects>
+            </a:ext>
+          </a:extLst>
+        </p:spPr>
+      </p:pic>
+    </p:spTree>
+    <p:extLst>
+      <p:ext uri="{BB962C8B-B14F-4D97-AF65-F5344CB8AC3E}">
+        <p14:creationId xmlns:p14="http://schemas.microsoft.com/office/powerpoint/2010/main" val="3244610797"/>
+      </p:ext>
+    </p:extLst>
+  </p:cSld>
+  <p:clrMapOvr>
+    <a:masterClrMapping/>
+  </p:clrMapOvr>
+</p:sld>
+</file>
+
+<file path=ppt/slides/slide37.xml><?xml version="1.0" encoding="utf-8"?>
+<p:sld xmlns:a="http://schemas.openxmlformats.org/drawingml/2006/main" xmlns:r="http://schemas.openxmlformats.org/officeDocument/2006/relationships" xmlns:p="http://schemas.openxmlformats.org/presentationml/2006/main">
+  <p:cSld>
+    <p:spTree>
+      <p:nvGrpSpPr>
+        <p:cNvPr id="1" name=""/>
+        <p:cNvGrpSpPr/>
+        <p:nvPr/>
+      </p:nvGrpSpPr>
+      <p:grpSpPr>
+        <a:xfrm>
+          <a:off x="0" y="0"/>
+          <a:ext cx="0" cy="0"/>
+          <a:chOff x="0" y="0"/>
+          <a:chExt cx="0" cy="0"/>
+        </a:xfrm>
+      </p:grpSpPr>
+      <p:sp>
+        <p:nvSpPr>
+          <p:cNvPr id="2" name="Title 1"/>
+          <p:cNvSpPr>
+            <a:spLocks noGrp="1"/>
+          </p:cNvSpPr>
+          <p:nvPr>
+            <p:ph type="title"/>
+          </p:nvPr>
+        </p:nvSpPr>
+        <p:spPr/>
+        <p:txBody>
+          <a:bodyPr/>
+          <a:lstStyle/>
+          <a:p>
+            <a:r>
+              <a:rPr lang="en-US" dirty="0"/>
+              <a:t>A New Way of Thinking</a:t>
+            </a:r>
+          </a:p>
+        </p:txBody>
+      </p:sp>
+      <p:sp>
+        <p:nvSpPr>
+          <p:cNvPr id="3" name="Content Placeholder 2"/>
+          <p:cNvSpPr>
+            <a:spLocks noGrp="1"/>
+          </p:cNvSpPr>
+          <p:nvPr>
+            <p:ph sz="quarter" idx="1"/>
+          </p:nvPr>
+        </p:nvSpPr>
+        <p:spPr/>
+        <p:txBody>
+          <a:bodyPr/>
+          <a:lstStyle/>
+          <a:p>
+            <a:r>
+              <a:rPr lang="en-US" dirty="0" smtClean="0"/>
+              <a:t>The new </a:t>
+            </a:r>
+            <a:r>
+              <a:rPr lang="en-US" dirty="0" err="1" smtClean="0"/>
+              <a:t>MyObject.h</a:t>
+            </a:r>
+            <a:endParaRPr lang="en-US" dirty="0" smtClean="0"/>
+          </a:p>
+          <a:p>
+            <a:endParaRPr lang="en-US" dirty="0"/>
+          </a:p>
+          <a:p>
+            <a:endParaRPr lang="en-US" dirty="0" smtClean="0"/>
+          </a:p>
+          <a:p>
+            <a:endParaRPr lang="en-US" dirty="0"/>
+          </a:p>
+          <a:p>
+            <a:endParaRPr lang="en-US" dirty="0" smtClean="0"/>
+          </a:p>
+          <a:p>
+            <a:r>
+              <a:rPr lang="en-US" dirty="0" err="1" smtClean="0"/>
+              <a:t>MyObject.c</a:t>
+            </a:r>
+            <a:endParaRPr lang="en-US" dirty="0"/>
+          </a:p>
+        </p:txBody>
+      </p:sp>
+      <p:pic>
+        <p:nvPicPr>
+          <p:cNvPr id="5122" name="Picture 2"/>
+          <p:cNvPicPr>
+            <a:picLocks noChangeAspect="1" noChangeArrowheads="1"/>
+          </p:cNvPicPr>
+          <p:nvPr/>
+        </p:nvPicPr>
+        <p:blipFill>
+          <a:blip r:embed="rId2">
+            <a:extLst>
+              <a:ext uri="{28A0092B-C50C-407E-A947-70E740481C1C}">
+                <a14:useLocalDpi xmlns:a14="http://schemas.microsoft.com/office/drawing/2010/main" val="0"/>
+              </a:ext>
+            </a:extLst>
+          </a:blip>
+          <a:srcRect/>
+          <a:stretch>
+            <a:fillRect/>
+          </a:stretch>
+        </p:blipFill>
+        <p:spPr bwMode="auto">
+          <a:xfrm>
+            <a:off x="1371599" y="2133600"/>
+            <a:ext cx="4015663" cy="1662112"/>
+          </a:xfrm>
+          <a:prstGeom prst="rect">
+            <a:avLst/>
+          </a:prstGeom>
+          <a:noFill/>
+          <a:ln>
+            <a:noFill/>
+          </a:ln>
+          <a:effectLst/>
+          <a:extLst>
+            <a:ext uri="{909E8E84-426E-40DD-AFC4-6F175D3DCCD1}">
+              <a14:hiddenFill xmlns:a14="http://schemas.microsoft.com/office/drawing/2010/main">
+                <a:solidFill>
+                  <a:schemeClr val="accent1"/>
+                </a:solidFill>
+              </a14:hiddenFill>
+            </a:ext>
+            <a:ext uri="{91240B29-F687-4F45-9708-019B960494DF}">
+              <a14:hiddenLine xmlns:a14="http://schemas.microsoft.com/office/drawing/2010/main" w="9525">
+                <a:solidFill>
+                  <a:schemeClr val="tx1"/>
+                </a:solidFill>
+                <a:miter lim="800000"/>
+                <a:headEnd/>
+                <a:tailEnd/>
+              </a14:hiddenLine>
+            </a:ext>
+            <a:ext uri="{AF507438-7753-43E0-B8FC-AC1667EBCBE1}">
+              <a14:hiddenEffects xmlns:a14="http://schemas.microsoft.com/office/drawing/2010/main">
+                <a:effectLst>
+                  <a:outerShdw dist="35921" dir="2700000" algn="ctr" rotWithShape="0">
+                    <a:schemeClr val="bg2"/>
+                  </a:outerShdw>
+                </a:effectLst>
+              </a14:hiddenEffects>
+            </a:ext>
+          </a:extLst>
+        </p:spPr>
+      </p:pic>
+      <p:pic>
+        <p:nvPicPr>
+          <p:cNvPr id="5123" name="Picture 3"/>
+          <p:cNvPicPr>
+            <a:picLocks noChangeAspect="1" noChangeArrowheads="1"/>
+          </p:cNvPicPr>
+          <p:nvPr/>
+        </p:nvPicPr>
+        <p:blipFill>
+          <a:blip r:embed="rId3">
+            <a:extLst>
+              <a:ext uri="{28A0092B-C50C-407E-A947-70E740481C1C}">
+                <a14:useLocalDpi xmlns:a14="http://schemas.microsoft.com/office/drawing/2010/main" val="0"/>
+              </a:ext>
+            </a:extLst>
+          </a:blip>
+          <a:srcRect/>
+          <a:stretch>
+            <a:fillRect/>
+          </a:stretch>
+        </p:blipFill>
+        <p:spPr bwMode="auto">
+          <a:xfrm>
+            <a:off x="3124199" y="4287982"/>
+            <a:ext cx="3581399" cy="1816465"/>
+          </a:xfrm>
+          <a:prstGeom prst="rect">
+            <a:avLst/>
+          </a:prstGeom>
+          <a:noFill/>
+          <a:ln>
+            <a:noFill/>
+          </a:ln>
+          <a:effectLst/>
+          <a:extLst>
+            <a:ext uri="{909E8E84-426E-40DD-AFC4-6F175D3DCCD1}">
+              <a14:hiddenFill xmlns:a14="http://schemas.microsoft.com/office/drawing/2010/main">
+                <a:solidFill>
+                  <a:schemeClr val="accent1"/>
+                </a:solidFill>
+              </a14:hiddenFill>
+            </a:ext>
+            <a:ext uri="{91240B29-F687-4F45-9708-019B960494DF}">
+              <a14:hiddenLine xmlns:a14="http://schemas.microsoft.com/office/drawing/2010/main" w="9525">
+                <a:solidFill>
+                  <a:schemeClr val="tx1"/>
+                </a:solidFill>
+                <a:miter lim="800000"/>
+                <a:headEnd/>
+                <a:tailEnd/>
+              </a14:hiddenLine>
+            </a:ext>
+            <a:ext uri="{AF507438-7753-43E0-B8FC-AC1667EBCBE1}">
+              <a14:hiddenEffects xmlns:a14="http://schemas.microsoft.com/office/drawing/2010/main">
+                <a:effectLst>
+                  <a:outerShdw dist="35921" dir="2700000" algn="ctr" rotWithShape="0">
+                    <a:schemeClr val="bg2"/>
+                  </a:outerShdw>
+                </a:effectLst>
+              </a14:hiddenEffects>
+            </a:ext>
+          </a:extLst>
+        </p:spPr>
+      </p:pic>
+    </p:spTree>
+    <p:extLst>
+      <p:ext uri="{BB962C8B-B14F-4D97-AF65-F5344CB8AC3E}">
+        <p14:creationId xmlns:p14="http://schemas.microsoft.com/office/powerpoint/2010/main" val="1069519832"/>
+      </p:ext>
+    </p:extLst>
+  </p:cSld>
+  <p:clrMapOvr>
+    <a:masterClrMapping/>
+  </p:clrMapOvr>
+</p:sld>
+</file>
+
+<file path=ppt/slides/slide38.xml><?xml version="1.0" encoding="utf-8"?>
+<p:sld xmlns:a="http://schemas.openxmlformats.org/drawingml/2006/main" xmlns:r="http://schemas.openxmlformats.org/officeDocument/2006/relationships" xmlns:p="http://schemas.openxmlformats.org/presentationml/2006/main">
+  <p:cSld>
+    <p:spTree>
+      <p:nvGrpSpPr>
+        <p:cNvPr id="1" name=""/>
+        <p:cNvGrpSpPr/>
+        <p:nvPr/>
+      </p:nvGrpSpPr>
+      <p:grpSpPr>
+        <a:xfrm>
+          <a:off x="0" y="0"/>
+          <a:ext cx="0" cy="0"/>
+          <a:chOff x="0" y="0"/>
+          <a:chExt cx="0" cy="0"/>
+        </a:xfrm>
+      </p:grpSpPr>
+      <p:sp>
+        <p:nvSpPr>
+          <p:cNvPr id="2" name="Title 1"/>
+          <p:cNvSpPr>
+            <a:spLocks noGrp="1"/>
+          </p:cNvSpPr>
+          <p:nvPr>
+            <p:ph type="title"/>
+          </p:nvPr>
+        </p:nvSpPr>
+        <p:spPr/>
+        <p:txBody>
+          <a:bodyPr/>
+          <a:lstStyle/>
+          <a:p>
+            <a:r>
+              <a:rPr lang="en-US" dirty="0"/>
+              <a:t>A New Way of Thinking</a:t>
+            </a:r>
+          </a:p>
+        </p:txBody>
+      </p:sp>
+      <p:sp>
+        <p:nvSpPr>
+          <p:cNvPr id="3" name="Content Placeholder 2"/>
+          <p:cNvSpPr>
+            <a:spLocks noGrp="1"/>
+          </p:cNvSpPr>
+          <p:nvPr>
+            <p:ph sz="quarter" idx="1"/>
+          </p:nvPr>
+        </p:nvSpPr>
+        <p:spPr>
+          <a:xfrm>
+            <a:off x="612648" y="1600200"/>
+            <a:ext cx="8153400" cy="5029200"/>
+          </a:xfrm>
+        </p:spPr>
+        <p:txBody>
+          <a:bodyPr>
+            <a:normAutofit/>
+          </a:bodyPr>
+          <a:lstStyle/>
+          <a:p>
+            <a:r>
+              <a:rPr lang="en-US" dirty="0" smtClean="0"/>
+              <a:t>We’re importing data from </a:t>
+            </a:r>
+            <a:r>
+              <a:rPr lang="en-US" dirty="0" err="1" smtClean="0"/>
+              <a:t>MyObjectData</a:t>
+            </a:r>
+            <a:endParaRPr lang="en-US" dirty="0" smtClean="0"/>
+          </a:p>
+          <a:p>
+            <a:r>
+              <a:rPr lang="en-US" dirty="0" smtClean="0"/>
+              <a:t>Macros expand to interpret the data:</a:t>
+            </a:r>
+          </a:p>
+          <a:p>
+            <a:pPr lvl="2"/>
+            <a:r>
+              <a:rPr lang="en-US" dirty="0" smtClean="0"/>
+              <a:t>Header file for </a:t>
+            </a:r>
+            <a:r>
+              <a:rPr lang="en-US" dirty="0" err="1" smtClean="0"/>
+              <a:t>MyObject</a:t>
+            </a:r>
+            <a:endParaRPr lang="en-US" dirty="0" smtClean="0"/>
+          </a:p>
+          <a:p>
+            <a:pPr lvl="2"/>
+            <a:r>
+              <a:rPr lang="en-US" dirty="0" smtClean="0"/>
+              <a:t>C file for </a:t>
+            </a:r>
+            <a:r>
+              <a:rPr lang="en-US" dirty="0" err="1" smtClean="0"/>
+              <a:t>MyObject</a:t>
+            </a:r>
+            <a:endParaRPr lang="en-US" dirty="0" smtClean="0"/>
+          </a:p>
+          <a:p>
+            <a:pPr lvl="2"/>
+            <a:r>
+              <a:rPr lang="en-US" dirty="0" smtClean="0"/>
+              <a:t>Serialization/Deserialization routine for </a:t>
+            </a:r>
+            <a:r>
+              <a:rPr lang="en-US" dirty="0" err="1" smtClean="0"/>
+              <a:t>MyObject</a:t>
+            </a:r>
+            <a:endParaRPr lang="en-US" dirty="0" smtClean="0"/>
+          </a:p>
+          <a:p>
+            <a:r>
+              <a:rPr lang="en-US" dirty="0" smtClean="0"/>
+              <a:t>We only wrote one data file</a:t>
+            </a:r>
+          </a:p>
+          <a:p>
+            <a:pPr lvl="1"/>
+            <a:r>
+              <a:rPr lang="en-US" dirty="0" smtClean="0"/>
+              <a:t>We generated 3 files from 1</a:t>
+            </a:r>
+          </a:p>
+          <a:p>
+            <a:pPr lvl="1"/>
+            <a:r>
+              <a:rPr lang="en-US" dirty="0" smtClean="0"/>
+              <a:t>Updates to data file automatically propagate to all macro expansions</a:t>
+            </a:r>
+          </a:p>
+        </p:txBody>
+      </p:sp>
+    </p:spTree>
+    <p:extLst>
+      <p:ext uri="{BB962C8B-B14F-4D97-AF65-F5344CB8AC3E}">
+        <p14:creationId xmlns:p14="http://schemas.microsoft.com/office/powerpoint/2010/main" val="2440808600"/>
+      </p:ext>
+    </p:extLst>
+  </p:cSld>
+  <p:clrMapOvr>
+    <a:masterClrMapping/>
+  </p:clrMapOvr>
+</p:sld>
+</file>
+
+<file path=ppt/slides/slide39.xml><?xml version="1.0" encoding="utf-8"?>
+<p:sld xmlns:a="http://schemas.openxmlformats.org/drawingml/2006/main" xmlns:r="http://schemas.openxmlformats.org/officeDocument/2006/relationships" xmlns:p="http://schemas.openxmlformats.org/presentationml/2006/main">
+  <p:cSld>
+    <p:spTree>
+      <p:nvGrpSpPr>
+        <p:cNvPr id="1" name=""/>
+        <p:cNvGrpSpPr/>
+        <p:nvPr/>
+      </p:nvGrpSpPr>
+      <p:grpSpPr>
+        <a:xfrm>
+          <a:off x="0" y="0"/>
+          <a:ext cx="0" cy="0"/>
+          <a:chOff x="0" y="0"/>
+          <a:chExt cx="0" cy="0"/>
+        </a:xfrm>
+      </p:grpSpPr>
+      <p:sp>
+        <p:nvSpPr>
+          <p:cNvPr id="2" name="Title 1"/>
+          <p:cNvSpPr>
+            <a:spLocks noGrp="1"/>
+          </p:cNvSpPr>
+          <p:nvPr>
+            <p:ph type="title"/>
+          </p:nvPr>
+        </p:nvSpPr>
+        <p:spPr/>
+        <p:txBody>
+          <a:bodyPr/>
+          <a:lstStyle/>
+          <a:p>
+            <a:r>
+              <a:rPr lang="en-US" dirty="0" smtClean="0"/>
+              <a:t>A New Way of Thinking</a:t>
+            </a:r>
+            <a:endParaRPr lang="en-US" dirty="0"/>
+          </a:p>
+        </p:txBody>
+      </p:sp>
+      <p:sp>
+        <p:nvSpPr>
+          <p:cNvPr id="3" name="Content Placeholder 2"/>
+          <p:cNvSpPr>
+            <a:spLocks noGrp="1"/>
+          </p:cNvSpPr>
+          <p:nvPr>
+            <p:ph sz="quarter" idx="1"/>
+          </p:nvPr>
+        </p:nvSpPr>
+        <p:spPr/>
+        <p:txBody>
+          <a:bodyPr/>
+          <a:lstStyle/>
+          <a:p>
+            <a:r>
+              <a:rPr lang="en-US" dirty="0" smtClean="0"/>
+              <a:t>Lest step through it</a:t>
+            </a:r>
+          </a:p>
+          <a:p>
+            <a:r>
+              <a:rPr lang="en-US" dirty="0" smtClean="0"/>
+              <a:t>Data file --------------</a:t>
+            </a:r>
+            <a:r>
+              <a:rPr lang="en-US" dirty="0" smtClean="0">
+                <a:sym typeface="Wingdings" pitchFamily="2" charset="2"/>
+              </a:rPr>
+              <a:t></a:t>
+            </a:r>
+            <a:endParaRPr lang="en-US" dirty="0" smtClean="0"/>
+          </a:p>
+          <a:p>
+            <a:r>
+              <a:rPr lang="en-US" dirty="0" smtClean="0"/>
+              <a:t>Macros:</a:t>
+            </a:r>
+            <a:endParaRPr lang="en-US" dirty="0"/>
+          </a:p>
+        </p:txBody>
+      </p:sp>
+      <p:pic>
+        <p:nvPicPr>
+          <p:cNvPr id="4" name="Picture 2"/>
+          <p:cNvPicPr>
+            <a:picLocks noChangeAspect="1" noChangeArrowheads="1"/>
+          </p:cNvPicPr>
+          <p:nvPr/>
+        </p:nvPicPr>
+        <p:blipFill>
+          <a:blip r:embed="rId2">
+            <a:extLst>
+              <a:ext uri="{28A0092B-C50C-407E-A947-70E740481C1C}">
+                <a14:useLocalDpi xmlns:a14="http://schemas.microsoft.com/office/drawing/2010/main" val="0"/>
+              </a:ext>
+            </a:extLst>
+          </a:blip>
+          <a:srcRect/>
+          <a:stretch>
+            <a:fillRect/>
+          </a:stretch>
+        </p:blipFill>
+        <p:spPr bwMode="auto">
+          <a:xfrm>
+            <a:off x="4648200" y="1745673"/>
+            <a:ext cx="3429000" cy="1828800"/>
+          </a:xfrm>
+          <a:prstGeom prst="rect">
+            <a:avLst/>
+          </a:prstGeom>
+          <a:noFill/>
+          <a:ln>
+            <a:noFill/>
+          </a:ln>
+          <a:effectLst/>
+          <a:extLst>
+            <a:ext uri="{909E8E84-426E-40DD-AFC4-6F175D3DCCD1}">
+              <a14:hiddenFill xmlns:a14="http://schemas.microsoft.com/office/drawing/2010/main">
+                <a:solidFill>
+                  <a:schemeClr val="accent1"/>
+                </a:solidFill>
+              </a14:hiddenFill>
+            </a:ext>
+            <a:ext uri="{91240B29-F687-4F45-9708-019B960494DF}">
+              <a14:hiddenLine xmlns:a14="http://schemas.microsoft.com/office/drawing/2010/main" w="9525">
+                <a:solidFill>
+                  <a:schemeClr val="tx1"/>
+                </a:solidFill>
+                <a:miter lim="800000"/>
+                <a:headEnd/>
+                <a:tailEnd/>
+              </a14:hiddenLine>
+            </a:ext>
+            <a:ext uri="{AF507438-7753-43E0-B8FC-AC1667EBCBE1}">
+              <a14:hiddenEffects xmlns:a14="http://schemas.microsoft.com/office/drawing/2010/main">
+                <a:effectLst>
+                  <a:outerShdw dist="35921" dir="2700000" algn="ctr" rotWithShape="0">
+                    <a:schemeClr val="bg2"/>
+                  </a:outerShdw>
+                </a:effectLst>
+              </a14:hiddenEffects>
+            </a:ext>
+          </a:extLst>
+        </p:spPr>
+      </p:pic>
+      <p:pic>
+        <p:nvPicPr>
+          <p:cNvPr id="6146" name="Picture 2"/>
+          <p:cNvPicPr>
+            <a:picLocks noChangeAspect="1" noChangeArrowheads="1"/>
+          </p:cNvPicPr>
+          <p:nvPr/>
+        </p:nvPicPr>
+        <p:blipFill>
+          <a:blip r:embed="rId3">
+            <a:extLst>
+              <a:ext uri="{28A0092B-C50C-407E-A947-70E740481C1C}">
+                <a14:useLocalDpi xmlns:a14="http://schemas.microsoft.com/office/drawing/2010/main" val="0"/>
+              </a:ext>
+            </a:extLst>
+          </a:blip>
+          <a:srcRect/>
+          <a:stretch>
+            <a:fillRect/>
+          </a:stretch>
+        </p:blipFill>
+        <p:spPr bwMode="auto">
+          <a:xfrm>
+            <a:off x="1447800" y="3505200"/>
+            <a:ext cx="3876675" cy="3134605"/>
+          </a:xfrm>
+          <a:prstGeom prst="rect">
+            <a:avLst/>
+          </a:prstGeom>
+          <a:noFill/>
+          <a:ln>
+            <a:noFill/>
+          </a:ln>
+          <a:effectLst/>
+          <a:extLst>
+            <a:ext uri="{909E8E84-426E-40DD-AFC4-6F175D3DCCD1}">
+              <a14:hiddenFill xmlns:a14="http://schemas.microsoft.com/office/drawing/2010/main">
+                <a:solidFill>
+                  <a:schemeClr val="accent1"/>
+                </a:solidFill>
+              </a14:hiddenFill>
+            </a:ext>
+            <a:ext uri="{91240B29-F687-4F45-9708-019B960494DF}">
+              <a14:hiddenLine xmlns:a14="http://schemas.microsoft.com/office/drawing/2010/main" w="9525">
+                <a:solidFill>
+                  <a:schemeClr val="tx1"/>
+                </a:solidFill>
+                <a:miter lim="800000"/>
+                <a:headEnd/>
+                <a:tailEnd/>
+              </a14:hiddenLine>
+            </a:ext>
+            <a:ext uri="{AF507438-7753-43E0-B8FC-AC1667EBCBE1}">
+              <a14:hiddenEffects xmlns:a14="http://schemas.microsoft.com/office/drawing/2010/main">
+                <a:effectLst>
+                  <a:outerShdw dist="35921" dir="2700000" algn="ctr" rotWithShape="0">
+                    <a:schemeClr val="bg2"/>
+                  </a:outerShdw>
+                </a:effectLst>
+              </a14:hiddenEffects>
+            </a:ext>
+          </a:extLst>
+        </p:spPr>
+      </p:pic>
+    </p:spTree>
+    <p:extLst>
+      <p:ext uri="{BB962C8B-B14F-4D97-AF65-F5344CB8AC3E}">
+        <p14:creationId xmlns:p14="http://schemas.microsoft.com/office/powerpoint/2010/main" val="3403925726"/>
+      </p:ext>
+    </p:extLst>
+  </p:cSld>
+  <p:clrMapOvr>
+    <a:masterClrMapping/>
+  </p:clrMapOvr>
+</p:sld>
+</file>
+
+<file path=ppt/slides/slide4.xml><?xml version="1.0" encoding="utf-8"?>
+<p:sld xmlns:a="http://schemas.openxmlformats.org/drawingml/2006/main" xmlns:r="http://schemas.openxmlformats.org/officeDocument/2006/relationships" xmlns:p="http://schemas.openxmlformats.org/presentationml/2006/main">
+  <p:cSld>
+    <p:spTree>
+      <p:nvGrpSpPr>
+        <p:cNvPr id="1" name=""/>
+        <p:cNvGrpSpPr/>
+        <p:nvPr/>
+      </p:nvGrpSpPr>
+      <p:grpSpPr>
+        <a:xfrm>
+          <a:off x="0" y="0"/>
+          <a:ext cx="0" cy="0"/>
+          <a:chOff x="0" y="0"/>
+          <a:chExt cx="0" cy="0"/>
+        </a:xfrm>
+      </p:grpSpPr>
+      <p:sp>
+        <p:nvSpPr>
+          <p:cNvPr id="2" name="Title 1"/>
+          <p:cNvSpPr>
+            <a:spLocks noGrp="1"/>
+          </p:cNvSpPr>
+          <p:nvPr>
+            <p:ph type="title"/>
+          </p:nvPr>
+        </p:nvSpPr>
+        <p:spPr/>
+        <p:txBody>
+          <a:bodyPr/>
+          <a:lstStyle/>
+          <a:p>
+            <a:r>
+              <a:rPr lang="en-US" dirty="0" smtClean="0"/>
+              <a:t>The Problem</a:t>
+            </a:r>
+            <a:endParaRPr lang="en-US" dirty="0"/>
+          </a:p>
+        </p:txBody>
+      </p:sp>
+      <p:sp>
+        <p:nvSpPr>
+          <p:cNvPr id="3" name="Content Placeholder 2"/>
+          <p:cNvSpPr>
+            <a:spLocks noGrp="1"/>
+          </p:cNvSpPr>
+          <p:nvPr>
+            <p:ph sz="quarter" idx="1"/>
+          </p:nvPr>
+        </p:nvSpPr>
+        <p:spPr/>
+        <p:txBody>
+          <a:bodyPr/>
+          <a:lstStyle/>
+          <a:p>
+            <a:r>
+              <a:rPr lang="en-US" dirty="0" smtClean="0"/>
+              <a:t>So now we have game objects</a:t>
+            </a:r>
+          </a:p>
+          <a:p>
+            <a:r>
+              <a:rPr lang="en-US" dirty="0" smtClean="0"/>
+              <a:t>However, we need to:</a:t>
+            </a:r>
+          </a:p>
+          <a:p>
+            <a:pPr lvl="1"/>
+            <a:r>
+              <a:rPr lang="en-US" dirty="0" smtClean="0"/>
+              <a:t>Save our game state</a:t>
+            </a:r>
+          </a:p>
+          <a:p>
+            <a:pPr lvl="1"/>
+            <a:r>
+              <a:rPr lang="en-US" dirty="0" smtClean="0"/>
+              <a:t>Close application</a:t>
+            </a:r>
+          </a:p>
+          <a:p>
+            <a:pPr lvl="1"/>
+            <a:r>
+              <a:rPr lang="en-US" dirty="0" smtClean="0"/>
+              <a:t>Reload previous save</a:t>
+            </a:r>
+          </a:p>
+        </p:txBody>
+      </p:sp>
+    </p:spTree>
+    <p:extLst>
+      <p:ext uri="{BB962C8B-B14F-4D97-AF65-F5344CB8AC3E}">
+        <p14:creationId xmlns:p14="http://schemas.microsoft.com/office/powerpoint/2010/main" val="1161883032"/>
+      </p:ext>
+    </p:extLst>
+  </p:cSld>
+  <p:clrMapOvr>
+    <a:masterClrMapping/>
+  </p:clrMapOvr>
+</p:sld>
+</file>
+
+<file path=ppt/slides/slide40.xml><?xml version="1.0" encoding="utf-8"?>
+<p:sld xmlns:a="http://schemas.openxmlformats.org/drawingml/2006/main" xmlns:r="http://schemas.openxmlformats.org/officeDocument/2006/relationships" xmlns:p="http://schemas.openxmlformats.org/presentationml/2006/main">
+  <p:cSld>
+    <p:spTree>
+      <p:nvGrpSpPr>
+        <p:cNvPr id="1" name=""/>
+        <p:cNvGrpSpPr/>
+        <p:nvPr/>
+      </p:nvGrpSpPr>
+      <p:grpSpPr>
+        <a:xfrm>
+          <a:off x="0" y="0"/>
+          <a:ext cx="0" cy="0"/>
+          <a:chOff x="0" y="0"/>
+          <a:chExt cx="0" cy="0"/>
+        </a:xfrm>
+      </p:grpSpPr>
+      <p:sp>
+        <p:nvSpPr>
+          <p:cNvPr id="2" name="Title 1"/>
+          <p:cNvSpPr>
+            <a:spLocks noGrp="1"/>
+          </p:cNvSpPr>
+          <p:nvPr>
+            <p:ph type="title"/>
+          </p:nvPr>
+        </p:nvSpPr>
+        <p:spPr/>
+        <p:txBody>
+          <a:bodyPr/>
+          <a:lstStyle/>
+          <a:p>
+            <a:r>
+              <a:rPr lang="en-US" dirty="0"/>
+              <a:t>A New Way of Thinking</a:t>
+            </a:r>
+          </a:p>
+        </p:txBody>
+      </p:sp>
+      <p:pic>
+        <p:nvPicPr>
+          <p:cNvPr id="7170" name="Picture 2"/>
+          <p:cNvPicPr>
+            <a:picLocks noChangeAspect="1" noChangeArrowheads="1"/>
+          </p:cNvPicPr>
+          <p:nvPr/>
+        </p:nvPicPr>
+        <p:blipFill>
+          <a:blip r:embed="rId2">
+            <a:extLst>
+              <a:ext uri="{28A0092B-C50C-407E-A947-70E740481C1C}">
+                <a14:useLocalDpi xmlns:a14="http://schemas.microsoft.com/office/drawing/2010/main" val="0"/>
+              </a:ext>
+            </a:extLst>
+          </a:blip>
+          <a:srcRect/>
+          <a:stretch>
+            <a:fillRect/>
+          </a:stretch>
+        </p:blipFill>
+        <p:spPr bwMode="auto">
+          <a:xfrm>
+            <a:off x="1814980" y="1884220"/>
+            <a:ext cx="2276475" cy="1219200"/>
+          </a:xfrm>
+          <a:prstGeom prst="rect">
+            <a:avLst/>
+          </a:prstGeom>
+          <a:noFill/>
+          <a:ln>
+            <a:noFill/>
+          </a:ln>
+          <a:effectLst/>
+          <a:extLst>
+            <a:ext uri="{909E8E84-426E-40DD-AFC4-6F175D3DCCD1}">
+              <a14:hiddenFill xmlns:a14="http://schemas.microsoft.com/office/drawing/2010/main">
+                <a:solidFill>
+                  <a:schemeClr val="accent1"/>
+                </a:solidFill>
+              </a14:hiddenFill>
+            </a:ext>
+            <a:ext uri="{91240B29-F687-4F45-9708-019B960494DF}">
+              <a14:hiddenLine xmlns:a14="http://schemas.microsoft.com/office/drawing/2010/main" w="9525">
+                <a:solidFill>
+                  <a:schemeClr val="tx1"/>
+                </a:solidFill>
+                <a:miter lim="800000"/>
+                <a:headEnd/>
+                <a:tailEnd/>
+              </a14:hiddenLine>
+            </a:ext>
+            <a:ext uri="{AF507438-7753-43E0-B8FC-AC1667EBCBE1}">
+              <a14:hiddenEffects xmlns:a14="http://schemas.microsoft.com/office/drawing/2010/main">
+                <a:effectLst>
+                  <a:outerShdw dist="35921" dir="2700000" algn="ctr" rotWithShape="0">
+                    <a:schemeClr val="bg2"/>
+                  </a:outerShdw>
+                </a:effectLst>
+              </a14:hiddenEffects>
+            </a:ext>
+          </a:extLst>
+        </p:spPr>
+      </p:pic>
+      <p:pic>
+        <p:nvPicPr>
+          <p:cNvPr id="7171" name="Picture 3"/>
+          <p:cNvPicPr>
+            <a:picLocks noChangeAspect="1" noChangeArrowheads="1"/>
+          </p:cNvPicPr>
+          <p:nvPr/>
+        </p:nvPicPr>
+        <p:blipFill>
+          <a:blip r:embed="rId3">
+            <a:extLst>
+              <a:ext uri="{28A0092B-C50C-407E-A947-70E740481C1C}">
+                <a14:useLocalDpi xmlns:a14="http://schemas.microsoft.com/office/drawing/2010/main" val="0"/>
+              </a:ext>
+            </a:extLst>
+          </a:blip>
+          <a:srcRect/>
+          <a:stretch>
+            <a:fillRect/>
+          </a:stretch>
+        </p:blipFill>
+        <p:spPr bwMode="auto">
+          <a:xfrm>
+            <a:off x="1834030" y="3484420"/>
+            <a:ext cx="2257425" cy="1219200"/>
+          </a:xfrm>
+          <a:prstGeom prst="rect">
+            <a:avLst/>
+          </a:prstGeom>
+          <a:noFill/>
+          <a:ln>
+            <a:noFill/>
+          </a:ln>
+          <a:effectLst/>
+          <a:extLst>
+            <a:ext uri="{909E8E84-426E-40DD-AFC4-6F175D3DCCD1}">
+              <a14:hiddenFill xmlns:a14="http://schemas.microsoft.com/office/drawing/2010/main">
+                <a:solidFill>
+                  <a:schemeClr val="accent1"/>
+                </a:solidFill>
+              </a14:hiddenFill>
+            </a:ext>
+            <a:ext uri="{91240B29-F687-4F45-9708-019B960494DF}">
+              <a14:hiddenLine xmlns:a14="http://schemas.microsoft.com/office/drawing/2010/main" w="9525">
+                <a:solidFill>
+                  <a:schemeClr val="tx1"/>
+                </a:solidFill>
+                <a:miter lim="800000"/>
+                <a:headEnd/>
+                <a:tailEnd/>
+              </a14:hiddenLine>
+            </a:ext>
+            <a:ext uri="{AF507438-7753-43E0-B8FC-AC1667EBCBE1}">
+              <a14:hiddenEffects xmlns:a14="http://schemas.microsoft.com/office/drawing/2010/main">
+                <a:effectLst>
+                  <a:outerShdw dist="35921" dir="2700000" algn="ctr" rotWithShape="0">
+                    <a:schemeClr val="bg2"/>
+                  </a:outerShdw>
+                </a:effectLst>
+              </a14:hiddenEffects>
+            </a:ext>
+          </a:extLst>
+        </p:spPr>
+      </p:pic>
+      <p:pic>
+        <p:nvPicPr>
+          <p:cNvPr id="7172" name="Picture 4"/>
+          <p:cNvPicPr>
+            <a:picLocks noChangeAspect="1" noChangeArrowheads="1"/>
+          </p:cNvPicPr>
+          <p:nvPr/>
+        </p:nvPicPr>
+        <p:blipFill>
+          <a:blip r:embed="rId4">
+            <a:extLst>
+              <a:ext uri="{28A0092B-C50C-407E-A947-70E740481C1C}">
+                <a14:useLocalDpi xmlns:a14="http://schemas.microsoft.com/office/drawing/2010/main" val="0"/>
+              </a:ext>
+            </a:extLst>
+          </a:blip>
+          <a:srcRect/>
+          <a:stretch>
+            <a:fillRect/>
+          </a:stretch>
+        </p:blipFill>
+        <p:spPr bwMode="auto">
+          <a:xfrm>
+            <a:off x="1814980" y="4932220"/>
+            <a:ext cx="2247900" cy="1238250"/>
+          </a:xfrm>
+          <a:prstGeom prst="rect">
+            <a:avLst/>
+          </a:prstGeom>
+          <a:noFill/>
+          <a:ln>
+            <a:noFill/>
+          </a:ln>
+          <a:effectLst/>
+          <a:extLst>
+            <a:ext uri="{909E8E84-426E-40DD-AFC4-6F175D3DCCD1}">
+              <a14:hiddenFill xmlns:a14="http://schemas.microsoft.com/office/drawing/2010/main">
+                <a:solidFill>
+                  <a:schemeClr val="accent1"/>
+                </a:solidFill>
+              </a14:hiddenFill>
+            </a:ext>
+            <a:ext uri="{91240B29-F687-4F45-9708-019B960494DF}">
+              <a14:hiddenLine xmlns:a14="http://schemas.microsoft.com/office/drawing/2010/main" w="9525">
+                <a:solidFill>
+                  <a:schemeClr val="tx1"/>
+                </a:solidFill>
+                <a:miter lim="800000"/>
+                <a:headEnd/>
+                <a:tailEnd/>
+              </a14:hiddenLine>
+            </a:ext>
+            <a:ext uri="{AF507438-7753-43E0-B8FC-AC1667EBCBE1}">
+              <a14:hiddenEffects xmlns:a14="http://schemas.microsoft.com/office/drawing/2010/main">
+                <a:effectLst>
+                  <a:outerShdw dist="35921" dir="2700000" algn="ctr" rotWithShape="0">
+                    <a:schemeClr val="bg2"/>
+                  </a:outerShdw>
+                </a:effectLst>
+              </a14:hiddenEffects>
+            </a:ext>
+          </a:extLst>
+        </p:spPr>
+      </p:pic>
+      <p:pic>
+        <p:nvPicPr>
+          <p:cNvPr id="7173" name="Picture 5"/>
+          <p:cNvPicPr>
+            <a:picLocks noChangeAspect="1" noChangeArrowheads="1"/>
+          </p:cNvPicPr>
+          <p:nvPr/>
+        </p:nvPicPr>
+        <p:blipFill>
+          <a:blip r:embed="rId5">
+            <a:extLst>
+              <a:ext uri="{28A0092B-C50C-407E-A947-70E740481C1C}">
+                <a14:useLocalDpi xmlns:a14="http://schemas.microsoft.com/office/drawing/2010/main" val="0"/>
+              </a:ext>
+            </a:extLst>
+          </a:blip>
+          <a:srcRect/>
+          <a:stretch>
+            <a:fillRect/>
+          </a:stretch>
+        </p:blipFill>
+        <p:spPr bwMode="auto">
+          <a:xfrm>
+            <a:off x="4939180" y="1884220"/>
+            <a:ext cx="2105025" cy="1228725"/>
+          </a:xfrm>
+          <a:prstGeom prst="rect">
+            <a:avLst/>
+          </a:prstGeom>
+          <a:noFill/>
+          <a:ln>
+            <a:noFill/>
+          </a:ln>
+          <a:effectLst/>
+          <a:extLst>
+            <a:ext uri="{909E8E84-426E-40DD-AFC4-6F175D3DCCD1}">
+              <a14:hiddenFill xmlns:a14="http://schemas.microsoft.com/office/drawing/2010/main">
+                <a:solidFill>
+                  <a:schemeClr val="accent1"/>
+                </a:solidFill>
+              </a14:hiddenFill>
+            </a:ext>
+            <a:ext uri="{91240B29-F687-4F45-9708-019B960494DF}">
+              <a14:hiddenLine xmlns:a14="http://schemas.microsoft.com/office/drawing/2010/main" w="9525">
+                <a:solidFill>
+                  <a:schemeClr val="tx1"/>
+                </a:solidFill>
+                <a:miter lim="800000"/>
+                <a:headEnd/>
+                <a:tailEnd/>
+              </a14:hiddenLine>
+            </a:ext>
+            <a:ext uri="{AF507438-7753-43E0-B8FC-AC1667EBCBE1}">
+              <a14:hiddenEffects xmlns:a14="http://schemas.microsoft.com/office/drawing/2010/main">
+                <a:effectLst>
+                  <a:outerShdw dist="35921" dir="2700000" algn="ctr" rotWithShape="0">
+                    <a:schemeClr val="bg2"/>
+                  </a:outerShdw>
+                </a:effectLst>
+              </a14:hiddenEffects>
+            </a:ext>
+          </a:extLst>
+        </p:spPr>
+      </p:pic>
+      <p:pic>
+        <p:nvPicPr>
+          <p:cNvPr id="7174" name="Picture 6"/>
+          <p:cNvPicPr>
+            <a:picLocks noChangeAspect="1" noChangeArrowheads="1"/>
+          </p:cNvPicPr>
+          <p:nvPr/>
+        </p:nvPicPr>
+        <p:blipFill>
+          <a:blip r:embed="rId6">
+            <a:extLst>
+              <a:ext uri="{28A0092B-C50C-407E-A947-70E740481C1C}">
+                <a14:useLocalDpi xmlns:a14="http://schemas.microsoft.com/office/drawing/2010/main" val="0"/>
+              </a:ext>
+            </a:extLst>
+          </a:blip>
+          <a:srcRect/>
+          <a:stretch>
+            <a:fillRect/>
+          </a:stretch>
+        </p:blipFill>
+        <p:spPr bwMode="auto">
+          <a:xfrm>
+            <a:off x="4939180" y="3770170"/>
+            <a:ext cx="2105025" cy="1162050"/>
+          </a:xfrm>
+          <a:prstGeom prst="rect">
+            <a:avLst/>
+          </a:prstGeom>
+          <a:noFill/>
+          <a:ln>
+            <a:noFill/>
+          </a:ln>
+          <a:effectLst/>
+          <a:extLst>
+            <a:ext uri="{909E8E84-426E-40DD-AFC4-6F175D3DCCD1}">
+              <a14:hiddenFill xmlns:a14="http://schemas.microsoft.com/office/drawing/2010/main">
+                <a:solidFill>
+                  <a:schemeClr val="accent1"/>
+                </a:solidFill>
+              </a14:hiddenFill>
+            </a:ext>
+            <a:ext uri="{91240B29-F687-4F45-9708-019B960494DF}">
+              <a14:hiddenLine xmlns:a14="http://schemas.microsoft.com/office/drawing/2010/main" w="9525">
+                <a:solidFill>
+                  <a:schemeClr val="tx1"/>
+                </a:solidFill>
+                <a:miter lim="800000"/>
+                <a:headEnd/>
+                <a:tailEnd/>
+              </a14:hiddenLine>
+            </a:ext>
+            <a:ext uri="{AF507438-7753-43E0-B8FC-AC1667EBCBE1}">
+              <a14:hiddenEffects xmlns:a14="http://schemas.microsoft.com/office/drawing/2010/main">
+                <a:effectLst>
+                  <a:outerShdw dist="35921" dir="2700000" algn="ctr" rotWithShape="0">
+                    <a:schemeClr val="bg2"/>
+                  </a:outerShdw>
+                </a:effectLst>
+              </a14:hiddenEffects>
+            </a:ext>
+          </a:extLst>
+        </p:spPr>
+      </p:pic>
+    </p:spTree>
+    <p:extLst>
+      <p:ext uri="{BB962C8B-B14F-4D97-AF65-F5344CB8AC3E}">
+        <p14:creationId xmlns:p14="http://schemas.microsoft.com/office/powerpoint/2010/main" val="1617246019"/>
+      </p:ext>
+    </p:extLst>
+  </p:cSld>
+  <p:clrMapOvr>
+    <a:masterClrMapping/>
+  </p:clrMapOvr>
+</p:sld>
+</file>
+
+<file path=ppt/slides/slide41.xml><?xml version="1.0" encoding="utf-8"?>
+<p:sld xmlns:a="http://schemas.openxmlformats.org/drawingml/2006/main" xmlns:r="http://schemas.openxmlformats.org/officeDocument/2006/relationships" xmlns:p="http://schemas.openxmlformats.org/presentationml/2006/main">
+  <p:cSld>
+    <p:spTree>
+      <p:nvGrpSpPr>
+        <p:cNvPr id="1" name=""/>
+        <p:cNvGrpSpPr/>
+        <p:nvPr/>
+      </p:nvGrpSpPr>
+      <p:grpSpPr>
+        <a:xfrm>
+          <a:off x="0" y="0"/>
+          <a:ext cx="0" cy="0"/>
+          <a:chOff x="0" y="0"/>
+          <a:chExt cx="0" cy="0"/>
+        </a:xfrm>
+      </p:grpSpPr>
+      <p:sp>
+        <p:nvSpPr>
+          <p:cNvPr id="2" name="Title 1"/>
+          <p:cNvSpPr>
+            <a:spLocks noGrp="1"/>
+          </p:cNvSpPr>
+          <p:nvPr>
+            <p:ph type="title"/>
+          </p:nvPr>
+        </p:nvSpPr>
+        <p:spPr/>
+        <p:txBody>
+          <a:bodyPr/>
+          <a:lstStyle/>
+          <a:p>
+            <a:r>
+              <a:rPr lang="en-US" dirty="0" smtClean="0"/>
+              <a:t>Generic Serialization</a:t>
+            </a:r>
+            <a:endParaRPr lang="en-US" dirty="0"/>
           </a:p>
         </p:txBody>
       </p:sp>
@@ -7500,14 +10064,322 @@
           </a:xfrm>
         </p:spPr>
         <p:txBody>
+          <a:bodyPr/>
+          <a:lstStyle/>
+          <a:p>
+            <a:r>
+              <a:rPr lang="en-US" dirty="0" smtClean="0"/>
+              <a:t>Summary:</a:t>
+            </a:r>
+          </a:p>
+          <a:p>
+            <a:r>
+              <a:rPr lang="en-US" dirty="0" smtClean="0"/>
+              <a:t>Three files</a:t>
+            </a:r>
+          </a:p>
+          <a:p>
+            <a:pPr lvl="1"/>
+            <a:r>
+              <a:rPr lang="en-US" dirty="0" smtClean="0"/>
+              <a:t>Data</a:t>
+            </a:r>
+          </a:p>
+          <a:p>
+            <a:pPr lvl="1"/>
+            <a:r>
+              <a:rPr lang="en-US" dirty="0" smtClean="0"/>
+              <a:t>Header</a:t>
+            </a:r>
+          </a:p>
+          <a:p>
+            <a:pPr lvl="1"/>
+            <a:r>
+              <a:rPr lang="en-US" dirty="0" smtClean="0"/>
+              <a:t>C</a:t>
+            </a:r>
+          </a:p>
+          <a:p>
+            <a:r>
+              <a:rPr lang="en-US" dirty="0" smtClean="0"/>
+              <a:t>We get:</a:t>
+            </a:r>
+          </a:p>
+          <a:p>
+            <a:pPr lvl="1"/>
+            <a:r>
+              <a:rPr lang="en-US" dirty="0" smtClean="0"/>
+              <a:t>Free serialization routines</a:t>
+            </a:r>
+          </a:p>
+          <a:p>
+            <a:pPr lvl="1"/>
+            <a:r>
+              <a:rPr lang="en-US" dirty="0" smtClean="0"/>
+              <a:t>Automatically updated when data file changes</a:t>
+            </a:r>
+          </a:p>
+          <a:p>
+            <a:r>
+              <a:rPr lang="en-US" dirty="0" smtClean="0"/>
+              <a:t>Sample code for proof of concept: </a:t>
+            </a:r>
+            <a:r>
+              <a:rPr lang="en-US" dirty="0" smtClean="0">
+                <a:hlinkClick r:id="rId2"/>
+              </a:rPr>
+              <a:t>link</a:t>
+            </a:r>
+            <a:endParaRPr lang="en-US" dirty="0"/>
+          </a:p>
+        </p:txBody>
+      </p:sp>
+    </p:spTree>
+    <p:extLst>
+      <p:ext uri="{BB962C8B-B14F-4D97-AF65-F5344CB8AC3E}">
+        <p14:creationId xmlns:p14="http://schemas.microsoft.com/office/powerpoint/2010/main" val="330188573"/>
+      </p:ext>
+    </p:extLst>
+  </p:cSld>
+  <p:clrMapOvr>
+    <a:masterClrMapping/>
+  </p:clrMapOvr>
+</p:sld>
+</file>
+
+<file path=ppt/slides/slide42.xml><?xml version="1.0" encoding="utf-8"?>
+<p:sld xmlns:a="http://schemas.openxmlformats.org/drawingml/2006/main" xmlns:r="http://schemas.openxmlformats.org/officeDocument/2006/relationships" xmlns:p="http://schemas.openxmlformats.org/presentationml/2006/main">
+  <p:cSld>
+    <p:spTree>
+      <p:nvGrpSpPr>
+        <p:cNvPr id="1" name=""/>
+        <p:cNvGrpSpPr/>
+        <p:nvPr/>
+      </p:nvGrpSpPr>
+      <p:grpSpPr>
+        <a:xfrm>
+          <a:off x="0" y="0"/>
+          <a:ext cx="0" cy="0"/>
+          <a:chOff x="0" y="0"/>
+          <a:chExt cx="0" cy="0"/>
+        </a:xfrm>
+      </p:grpSpPr>
+      <p:sp>
+        <p:nvSpPr>
+          <p:cNvPr id="2" name="Title 1"/>
+          <p:cNvSpPr>
+            <a:spLocks noGrp="1"/>
+          </p:cNvSpPr>
+          <p:nvPr>
+            <p:ph type="title"/>
+          </p:nvPr>
+        </p:nvSpPr>
+        <p:spPr/>
+        <p:txBody>
+          <a:bodyPr/>
+          <a:lstStyle/>
+          <a:p>
+            <a:r>
+              <a:rPr lang="en-US" dirty="0" smtClean="0"/>
+              <a:t>Generic… Other things?</a:t>
+            </a:r>
+            <a:endParaRPr lang="en-US" dirty="0"/>
+          </a:p>
+        </p:txBody>
+      </p:sp>
+      <p:sp>
+        <p:nvSpPr>
+          <p:cNvPr id="3" name="Content Placeholder 2"/>
+          <p:cNvSpPr>
+            <a:spLocks noGrp="1"/>
+          </p:cNvSpPr>
+          <p:nvPr>
+            <p:ph sz="quarter" idx="1"/>
+          </p:nvPr>
+        </p:nvSpPr>
+        <p:spPr/>
+        <p:txBody>
+          <a:bodyPr/>
+          <a:lstStyle/>
+          <a:p>
+            <a:r>
+              <a:rPr lang="en-US" dirty="0" smtClean="0"/>
+              <a:t>Other things can be generalized:</a:t>
+            </a:r>
+          </a:p>
+          <a:p>
+            <a:pPr lvl="1"/>
+            <a:r>
+              <a:rPr lang="en-US" dirty="0" smtClean="0"/>
+              <a:t>Scripting language </a:t>
+            </a:r>
+            <a:r>
+              <a:rPr lang="en-US" dirty="0" smtClean="0"/>
+              <a:t>integration</a:t>
+            </a:r>
+          </a:p>
+          <a:p>
+            <a:pPr lvl="2"/>
+            <a:r>
+              <a:rPr lang="en-US" dirty="0" smtClean="0"/>
+              <a:t>Best thing ever</a:t>
+            </a:r>
+            <a:endParaRPr lang="en-US" dirty="0" smtClean="0"/>
+          </a:p>
+          <a:p>
+            <a:pPr lvl="1"/>
+            <a:r>
+              <a:rPr lang="en-US" dirty="0" smtClean="0"/>
+              <a:t>Factories</a:t>
+            </a:r>
+          </a:p>
+          <a:p>
+            <a:pPr lvl="1"/>
+            <a:r>
+              <a:rPr lang="en-US" dirty="0" smtClean="0"/>
+              <a:t>Generic “Variable” type</a:t>
+            </a:r>
+          </a:p>
+          <a:p>
+            <a:pPr lvl="1"/>
+            <a:r>
+              <a:rPr lang="en-US" dirty="0" smtClean="0"/>
+              <a:t>Property grid generation</a:t>
+            </a:r>
+          </a:p>
+          <a:p>
+            <a:pPr lvl="1"/>
+            <a:r>
+              <a:rPr lang="en-US" dirty="0" smtClean="0"/>
+              <a:t>More?</a:t>
+            </a:r>
+          </a:p>
+          <a:p>
+            <a:r>
+              <a:rPr lang="en-US" dirty="0" smtClean="0"/>
+              <a:t>Serialization is enough for now</a:t>
+            </a:r>
+            <a:endParaRPr lang="en-US" dirty="0"/>
+          </a:p>
+        </p:txBody>
+      </p:sp>
+    </p:spTree>
+    <p:extLst>
+      <p:ext uri="{BB962C8B-B14F-4D97-AF65-F5344CB8AC3E}">
+        <p14:creationId xmlns:p14="http://schemas.microsoft.com/office/powerpoint/2010/main" val="2744695247"/>
+      </p:ext>
+    </p:extLst>
+  </p:cSld>
+  <p:clrMapOvr>
+    <a:masterClrMapping/>
+  </p:clrMapOvr>
+</p:sld>
+</file>
+
+<file path=ppt/slides/slide43.xml><?xml version="1.0" encoding="utf-8"?>
+<p:sld xmlns:a="http://schemas.openxmlformats.org/drawingml/2006/main" xmlns:r="http://schemas.openxmlformats.org/officeDocument/2006/relationships" xmlns:p="http://schemas.openxmlformats.org/presentationml/2006/main">
+  <p:cSld>
+    <p:spTree>
+      <p:nvGrpSpPr>
+        <p:cNvPr id="1" name=""/>
+        <p:cNvGrpSpPr/>
+        <p:nvPr/>
+      </p:nvGrpSpPr>
+      <p:grpSpPr>
+        <a:xfrm>
+          <a:off x="0" y="0"/>
+          <a:ext cx="0" cy="0"/>
+          <a:chOff x="0" y="0"/>
+          <a:chExt cx="0" cy="0"/>
+        </a:xfrm>
+      </p:grpSpPr>
+      <p:sp>
+        <p:nvSpPr>
+          <p:cNvPr id="2" name="Title 1"/>
+          <p:cNvSpPr>
+            <a:spLocks noGrp="1"/>
+          </p:cNvSpPr>
+          <p:nvPr>
+            <p:ph type="title"/>
+          </p:nvPr>
+        </p:nvSpPr>
+        <p:spPr/>
+        <p:txBody>
+          <a:bodyPr/>
+          <a:lstStyle/>
+          <a:p>
+            <a:r>
+              <a:rPr lang="en-US" dirty="0"/>
+              <a:t>Final Tips</a:t>
+            </a:r>
+          </a:p>
+        </p:txBody>
+      </p:sp>
+      <p:sp>
+        <p:nvSpPr>
+          <p:cNvPr id="3" name="Content Placeholder 2"/>
+          <p:cNvSpPr>
+            <a:spLocks noGrp="1"/>
+          </p:cNvSpPr>
+          <p:nvPr>
+            <p:ph sz="quarter" idx="1"/>
+          </p:nvPr>
+        </p:nvSpPr>
+        <p:spPr>
+          <a:xfrm>
+            <a:off x="612648" y="1600200"/>
+            <a:ext cx="8153400" cy="4800600"/>
+          </a:xfrm>
+        </p:spPr>
+        <p:txBody>
           <a:bodyPr>
             <a:normAutofit/>
           </a:bodyPr>
           <a:lstStyle/>
           <a:p>
             <a:r>
+              <a:rPr lang="en-US" dirty="0" smtClean="0"/>
+              <a:t>Cannot pass pointer type to macro</a:t>
+            </a:r>
+          </a:p>
+          <a:p>
+            <a:pPr lvl="1"/>
+            <a:r>
+              <a:rPr lang="en-US" dirty="0" err="1" smtClean="0"/>
+              <a:t>typedef</a:t>
+            </a:r>
+            <a:endParaRPr lang="en-US" dirty="0" smtClean="0"/>
+          </a:p>
+          <a:p>
+            <a:pPr lvl="1"/>
+            <a:r>
+              <a:rPr lang="en-US" dirty="0" smtClean="0"/>
+              <a:t> </a:t>
+            </a:r>
+            <a:r>
+              <a:rPr lang="en-US" dirty="0" err="1" smtClean="0"/>
+              <a:t>typedef</a:t>
+            </a:r>
+            <a:r>
+              <a:rPr lang="en-US" dirty="0" smtClean="0"/>
+              <a:t> char * string</a:t>
+            </a:r>
+          </a:p>
+          <a:p>
+            <a:pPr lvl="2"/>
+            <a:r>
+              <a:rPr lang="en-US" dirty="0" smtClean="0"/>
+              <a:t>Pass string as type to macro</a:t>
+            </a:r>
+          </a:p>
+          <a:p>
+            <a:r>
+              <a:rPr lang="en-US" dirty="0" smtClean="0"/>
+              <a:t>Ask </a:t>
+            </a:r>
+            <a:r>
               <a:rPr lang="en-US" dirty="0"/>
-              <a:t>Ask Doug Schilling for advice! He’s awesome</a:t>
+              <a:t>Doug Schilling for advice! He’s awesome</a:t>
             </a:r>
           </a:p>
           <a:p>
@@ -7566,7 +10438,7 @@
 </p:sld>
 </file>
 
-<file path=ppt/slides/slide28.xml><?xml version="1.0" encoding="utf-8"?>
+<file path=ppt/slides/slide44.xml><?xml version="1.0" encoding="utf-8"?>
 <p:sld xmlns:a="http://schemas.openxmlformats.org/drawingml/2006/main" xmlns:r="http://schemas.openxmlformats.org/officeDocument/2006/relationships" xmlns:p="http://schemas.openxmlformats.org/presentationml/2006/main">
   <p:cSld>
     <p:spTree>
@@ -7627,13 +10499,13 @@
               <a:rPr lang="en-US" dirty="0">
                 <a:hlinkClick r:id="rId2"/>
               </a:rPr>
-              <a:t>http://higherorderfun.com/blog/2012/05/20/the-guide-to-implementing-2d-platformers</a:t>
+              <a:t>https://</a:t>
             </a:r>
             <a:r>
               <a:rPr lang="en-US" dirty="0" smtClean="0">
                 <a:hlinkClick r:id="rId2"/>
               </a:rPr>
-              <a:t>/</a:t>
+              <a:t>github.com/RandyGaul/Serialization_C</a:t>
             </a:r>
             <a:endParaRPr lang="en-US" dirty="0" smtClean="0"/>
           </a:p>
@@ -7642,19 +10514,24 @@
               <a:rPr lang="en-US" dirty="0">
                 <a:hlinkClick r:id="rId3"/>
               </a:rPr>
-              <a:t>http://info.sonicretro.org/Sonic_Physics_Guide</a:t>
-            </a:r>
-            <a:endParaRPr lang="en-US" dirty="0"/>
-          </a:p>
-          <a:p>
-            <a:r>
-              <a:rPr lang="en-US" dirty="0" smtClean="0"/>
-              <a:t>Sample </a:t>
-            </a:r>
-            <a:r>
-              <a:rPr lang="en-US" dirty="0" smtClean="0"/>
-              <a:t>engine on Moodle</a:t>
-            </a:r>
+              <a:t>http://www.randygaul.net/2013/02/07/fscanf-power</a:t>
+            </a:r>
+            <a:r>
+              <a:rPr lang="en-US" dirty="0" smtClean="0">
+                <a:hlinkClick r:id="rId3"/>
+              </a:rPr>
+              <a:t>/</a:t>
+            </a:r>
+            <a:endParaRPr lang="en-US" dirty="0" smtClean="0"/>
+          </a:p>
+          <a:p>
+            <a:r>
+              <a:rPr lang="en-US" dirty="0">
+                <a:hlinkClick r:id="rId4"/>
+              </a:rPr>
+              <a:t>http://www.randygaul.net/2012/08/10/generic-programming-in-c/</a:t>
+            </a:r>
+            <a:endParaRPr lang="en-US" dirty="0" smtClean="0"/>
           </a:p>
         </p:txBody>
       </p:sp>
@@ -7678,7 +10555,7 @@
 </p:sld>
 </file>
 
-<file path=ppt/slides/slide29.xml><?xml version="1.0" encoding="utf-8"?>
+<file path=ppt/slides/slide45.xml><?xml version="1.0" encoding="utf-8"?>
 <p:sld xmlns:a="http://schemas.openxmlformats.org/drawingml/2006/main" xmlns:r="http://schemas.openxmlformats.org/officeDocument/2006/relationships" xmlns:p="http://schemas.openxmlformats.org/presentationml/2006/main">
   <p:cSld>
     <p:spTree>
@@ -7758,205 +10635,6 @@
       </p:par>
     </p:tnLst>
   </p:timing>
-</p:sld>
-</file>
-
-<file path=ppt/slides/slide3.xml><?xml version="1.0" encoding="utf-8"?>
-<p:sld xmlns:a="http://schemas.openxmlformats.org/drawingml/2006/main" xmlns:r="http://schemas.openxmlformats.org/officeDocument/2006/relationships" xmlns:p="http://schemas.openxmlformats.org/presentationml/2006/main">
-  <p:cSld>
-    <p:spTree>
-      <p:nvGrpSpPr>
-        <p:cNvPr id="1" name=""/>
-        <p:cNvGrpSpPr/>
-        <p:nvPr/>
-      </p:nvGrpSpPr>
-      <p:grpSpPr>
-        <a:xfrm>
-          <a:off x="0" y="0"/>
-          <a:ext cx="0" cy="0"/>
-          <a:chOff x="0" y="0"/>
-          <a:chExt cx="0" cy="0"/>
-        </a:xfrm>
-      </p:grpSpPr>
-      <p:sp>
-        <p:nvSpPr>
-          <p:cNvPr id="2" name="Title 1"/>
-          <p:cNvSpPr>
-            <a:spLocks noGrp="1"/>
-          </p:cNvSpPr>
-          <p:nvPr>
-            <p:ph type="title"/>
-          </p:nvPr>
-        </p:nvSpPr>
-        <p:spPr/>
-        <p:txBody>
-          <a:bodyPr/>
-          <a:lstStyle/>
-          <a:p>
-            <a:r>
-              <a:rPr lang="en-US" dirty="0" smtClean="0"/>
-              <a:t>Serialization - Overview</a:t>
-            </a:r>
-            <a:endParaRPr lang="en-US" dirty="0"/>
-          </a:p>
-        </p:txBody>
-      </p:sp>
-      <p:sp>
-        <p:nvSpPr>
-          <p:cNvPr id="3" name="Content Placeholder 2"/>
-          <p:cNvSpPr>
-            <a:spLocks noGrp="1"/>
-          </p:cNvSpPr>
-          <p:nvPr>
-            <p:ph sz="quarter" idx="1"/>
-          </p:nvPr>
-        </p:nvSpPr>
-        <p:spPr/>
-        <p:txBody>
-          <a:bodyPr/>
-          <a:lstStyle/>
-          <a:p>
-            <a:r>
-              <a:rPr lang="en-US" dirty="0" smtClean="0"/>
-              <a:t>The problem</a:t>
-            </a:r>
-          </a:p>
-          <a:p>
-            <a:r>
-              <a:rPr lang="en-US" dirty="0" smtClean="0"/>
-              <a:t>Primitives</a:t>
-            </a:r>
-          </a:p>
-          <a:p>
-            <a:r>
-              <a:rPr lang="en-US" dirty="0" smtClean="0"/>
-              <a:t>Routines</a:t>
-            </a:r>
-          </a:p>
-          <a:p>
-            <a:endParaRPr lang="en-US" dirty="0" smtClean="0"/>
-          </a:p>
-        </p:txBody>
-      </p:sp>
-    </p:spTree>
-    <p:extLst>
-      <p:ext uri="{BB962C8B-B14F-4D97-AF65-F5344CB8AC3E}">
-        <p14:creationId xmlns:p14="http://schemas.microsoft.com/office/powerpoint/2010/main" val="2497086890"/>
-      </p:ext>
-    </p:extLst>
-  </p:cSld>
-  <p:clrMapOvr>
-    <a:masterClrMapping/>
-  </p:clrMapOvr>
-  <p:timing>
-    <p:tnLst>
-      <p:par>
-        <p:cTn id="1" dur="indefinite" restart="never" nodeType="tmRoot"/>
-      </p:par>
-    </p:tnLst>
-  </p:timing>
-</p:sld>
-</file>
-
-<file path=ppt/slides/slide4.xml><?xml version="1.0" encoding="utf-8"?>
-<p:sld xmlns:a="http://schemas.openxmlformats.org/drawingml/2006/main" xmlns:r="http://schemas.openxmlformats.org/officeDocument/2006/relationships" xmlns:p="http://schemas.openxmlformats.org/presentationml/2006/main">
-  <p:cSld>
-    <p:spTree>
-      <p:nvGrpSpPr>
-        <p:cNvPr id="1" name=""/>
-        <p:cNvGrpSpPr/>
-        <p:nvPr/>
-      </p:nvGrpSpPr>
-      <p:grpSpPr>
-        <a:xfrm>
-          <a:off x="0" y="0"/>
-          <a:ext cx="0" cy="0"/>
-          <a:chOff x="0" y="0"/>
-          <a:chExt cx="0" cy="0"/>
-        </a:xfrm>
-      </p:grpSpPr>
-      <p:sp>
-        <p:nvSpPr>
-          <p:cNvPr id="2" name="Title 1"/>
-          <p:cNvSpPr>
-            <a:spLocks noGrp="1"/>
-          </p:cNvSpPr>
-          <p:nvPr>
-            <p:ph type="title"/>
-          </p:nvPr>
-        </p:nvSpPr>
-        <p:spPr/>
-        <p:txBody>
-          <a:bodyPr/>
-          <a:lstStyle/>
-          <a:p>
-            <a:r>
-              <a:rPr lang="en-US" dirty="0" smtClean="0"/>
-              <a:t>The Problem</a:t>
-            </a:r>
-            <a:endParaRPr lang="en-US" dirty="0"/>
-          </a:p>
-        </p:txBody>
-      </p:sp>
-      <p:sp>
-        <p:nvSpPr>
-          <p:cNvPr id="3" name="Content Placeholder 2"/>
-          <p:cNvSpPr>
-            <a:spLocks noGrp="1"/>
-          </p:cNvSpPr>
-          <p:nvPr>
-            <p:ph sz="quarter" idx="1"/>
-          </p:nvPr>
-        </p:nvSpPr>
-        <p:spPr/>
-        <p:txBody>
-          <a:bodyPr/>
-          <a:lstStyle/>
-          <a:p>
-            <a:r>
-              <a:rPr lang="en-US" dirty="0" smtClean="0"/>
-              <a:t>So now we have game objects</a:t>
-            </a:r>
-          </a:p>
-          <a:p>
-            <a:r>
-              <a:rPr lang="en-US" dirty="0" smtClean="0"/>
-              <a:t>However, we need to:</a:t>
-            </a:r>
-          </a:p>
-          <a:p>
-            <a:pPr lvl="1"/>
-            <a:r>
-              <a:rPr lang="en-US" dirty="0" smtClean="0"/>
-              <a:t>Save our game state</a:t>
-            </a:r>
-          </a:p>
-          <a:p>
-            <a:pPr lvl="1"/>
-            <a:r>
-              <a:rPr lang="en-US" dirty="0" smtClean="0"/>
-              <a:t>Close application</a:t>
-            </a:r>
-          </a:p>
-          <a:p>
-            <a:pPr lvl="1"/>
-            <a:r>
-              <a:rPr lang="en-US" dirty="0" smtClean="0"/>
-              <a:t>Reload previous save</a:t>
-            </a:r>
-          </a:p>
-        </p:txBody>
-      </p:sp>
-    </p:spTree>
-    <p:extLst>
-      <p:ext uri="{BB962C8B-B14F-4D97-AF65-F5344CB8AC3E}">
-        <p14:creationId xmlns:p14="http://schemas.microsoft.com/office/powerpoint/2010/main" val="1161883032"/>
-      </p:ext>
-    </p:extLst>
-  </p:cSld>
-  <p:clrMapOvr>
-    <a:masterClrMapping/>
-  </p:clrMapOvr>
 </p:sld>
 </file>
 
